--- a/异步消息处理组件.pptx
+++ b/异步消息处理组件.pptx
@@ -5,13 +5,11 @@
     <p:sldMasterId id="2147483648" r:id="rId1"/>
   </p:sldMasterIdLst>
   <p:notesMasterIdLst>
-    <p:notesMasterId r:id="rId6"/>
+    <p:notesMasterId r:id="rId4"/>
   </p:notesMasterIdLst>
   <p:sldIdLst>
-    <p:sldId id="256" r:id="rId2"/>
-    <p:sldId id="257" r:id="rId3"/>
-    <p:sldId id="258" r:id="rId4"/>
-    <p:sldId id="259" r:id="rId5"/>
+    <p:sldId id="257" r:id="rId2"/>
+    <p:sldId id="258" r:id="rId3"/>
   </p:sldIdLst>
   <p:sldSz cx="9144000" cy="6858000" type="screen4x3"/>
   <p:notesSz cx="6858000" cy="9144000"/>
@@ -110,6 +108,22 @@
       </a:defRPr>
     </a:lvl9pPr>
   </p:defaultTextStyle>
+  <p:extLst>
+    <p:ext uri="{EFAFB233-063F-42B5-8137-9DF3F51BA10A}">
+      <p15:sldGuideLst xmlns:p15="http://schemas.microsoft.com/office/powerpoint/2012/main">
+        <p15:guide id="1" orient="horz" pos="2160">
+          <p15:clr>
+            <a:srgbClr val="A4A3A4"/>
+          </p15:clr>
+        </p15:guide>
+        <p15:guide id="2" pos="2880">
+          <p15:clr>
+            <a:srgbClr val="A4A3A4"/>
+          </p15:clr>
+        </p15:guide>
+      </p15:sldGuideLst>
+    </p:ext>
+  </p:extLst>
 </p:presentation>
 </file>
 
@@ -195,7 +209,7 @@
           <a:p>
             <a:fld id="{143B58D9-161F-4CBD-AB44-351B2BBA17A4}" type="datetimeFigureOut">
               <a:rPr lang="zh-CN" altLang="en-US" smtClean="0"/>
-              <a:t>2018/6/1</a:t>
+              <a:t>2022/1/23</a:t>
             </a:fld>
             <a:endParaRPr lang="zh-CN" altLang="en-US"/>
           </a:p>
@@ -259,38 +273,37 @@
           <a:p>
             <a:pPr lvl="0"/>
             <a:r>
-              <a:rPr lang="zh-CN" altLang="en-US" smtClean="0"/>
+              <a:rPr lang="zh-CN" altLang="en-US"/>
               <a:t>单击此处编辑母版文本样式</a:t>
             </a:r>
           </a:p>
           <a:p>
             <a:pPr lvl="1"/>
             <a:r>
-              <a:rPr lang="zh-CN" altLang="en-US" smtClean="0"/>
+              <a:rPr lang="zh-CN" altLang="en-US"/>
               <a:t>第二级</a:t>
             </a:r>
           </a:p>
           <a:p>
             <a:pPr lvl="2"/>
             <a:r>
-              <a:rPr lang="zh-CN" altLang="en-US" smtClean="0"/>
+              <a:rPr lang="zh-CN" altLang="en-US"/>
               <a:t>第三级</a:t>
             </a:r>
           </a:p>
           <a:p>
             <a:pPr lvl="3"/>
             <a:r>
-              <a:rPr lang="zh-CN" altLang="en-US" smtClean="0"/>
+              <a:rPr lang="zh-CN" altLang="en-US"/>
               <a:t>第四级</a:t>
             </a:r>
           </a:p>
           <a:p>
             <a:pPr lvl="4"/>
             <a:r>
-              <a:rPr lang="zh-CN" altLang="en-US" smtClean="0"/>
+              <a:rPr lang="zh-CN" altLang="en-US"/>
               <a:t>第五级</a:t>
             </a:r>
-            <a:endParaRPr lang="zh-CN" altLang="en-US"/>
           </a:p>
         </p:txBody>
       </p:sp>
@@ -528,7 +541,7 @@
           <a:p>
             <a:fld id="{1A900B6B-9F5A-4B58-A71A-36C82FD45816}" type="slidenum">
               <a:rPr lang="zh-CN" altLang="en-US" smtClean="0"/>
-              <a:t>2</a:t>
+              <a:t>1</a:t>
             </a:fld>
             <a:endParaRPr lang="zh-CN" altLang="en-US"/>
           </a:p>
@@ -612,7 +625,7 @@
           <a:p>
             <a:fld id="{1A900B6B-9F5A-4B58-A71A-36C82FD45816}" type="slidenum">
               <a:rPr lang="zh-CN" altLang="en-US" smtClean="0"/>
-              <a:t>3</a:t>
+              <a:t>2</a:t>
             </a:fld>
             <a:endParaRPr lang="zh-CN" altLang="en-US"/>
           </a:p>
@@ -669,10 +682,9 @@
           <a:lstStyle/>
           <a:p>
             <a:r>
-              <a:rPr lang="zh-CN" altLang="en-US" smtClean="0"/>
+              <a:rPr lang="zh-CN" altLang="en-US"/>
               <a:t>单击此处编辑母版标题样式</a:t>
             </a:r>
-            <a:endParaRPr lang="zh-CN" altLang="en-US"/>
           </a:p>
         </p:txBody>
       </p:sp>
@@ -788,10 +800,9 @@
           </a:lstStyle>
           <a:p>
             <a:r>
-              <a:rPr lang="zh-CN" altLang="en-US" smtClean="0"/>
+              <a:rPr lang="zh-CN" altLang="en-US"/>
               <a:t>单击此处编辑母版副标题样式</a:t>
             </a:r>
-            <a:endParaRPr lang="zh-CN" altLang="en-US"/>
           </a:p>
         </p:txBody>
       </p:sp>
@@ -812,7 +823,7 @@
           <a:p>
             <a:fld id="{530820CF-B880-4189-942D-D702A7CBA730}" type="datetimeFigureOut">
               <a:rPr lang="zh-CN" altLang="en-US" smtClean="0"/>
-              <a:t>2018/6/1</a:t>
+              <a:t>2022/1/23</a:t>
             </a:fld>
             <a:endParaRPr lang="zh-CN" altLang="en-US"/>
           </a:p>
@@ -901,10 +912,9 @@
           <a:lstStyle/>
           <a:p>
             <a:r>
-              <a:rPr lang="zh-CN" altLang="en-US" smtClean="0"/>
+              <a:rPr lang="zh-CN" altLang="en-US"/>
               <a:t>单击此处编辑母版标题样式</a:t>
             </a:r>
-            <a:endParaRPr lang="zh-CN" altLang="en-US"/>
           </a:p>
         </p:txBody>
       </p:sp>
@@ -925,38 +935,37 @@
           <a:p>
             <a:pPr lvl="0"/>
             <a:r>
-              <a:rPr lang="zh-CN" altLang="en-US" smtClean="0"/>
+              <a:rPr lang="zh-CN" altLang="en-US"/>
               <a:t>单击此处编辑母版文本样式</a:t>
             </a:r>
           </a:p>
           <a:p>
             <a:pPr lvl="1"/>
             <a:r>
-              <a:rPr lang="zh-CN" altLang="en-US" smtClean="0"/>
+              <a:rPr lang="zh-CN" altLang="en-US"/>
               <a:t>第二级</a:t>
             </a:r>
           </a:p>
           <a:p>
             <a:pPr lvl="2"/>
             <a:r>
-              <a:rPr lang="zh-CN" altLang="en-US" smtClean="0"/>
+              <a:rPr lang="zh-CN" altLang="en-US"/>
               <a:t>第三级</a:t>
             </a:r>
           </a:p>
           <a:p>
             <a:pPr lvl="3"/>
             <a:r>
-              <a:rPr lang="zh-CN" altLang="en-US" smtClean="0"/>
+              <a:rPr lang="zh-CN" altLang="en-US"/>
               <a:t>第四级</a:t>
             </a:r>
           </a:p>
           <a:p>
             <a:pPr lvl="4"/>
             <a:r>
-              <a:rPr lang="zh-CN" altLang="en-US" smtClean="0"/>
+              <a:rPr lang="zh-CN" altLang="en-US"/>
               <a:t>第五级</a:t>
             </a:r>
-            <a:endParaRPr lang="zh-CN" altLang="en-US"/>
           </a:p>
         </p:txBody>
       </p:sp>
@@ -977,7 +986,7 @@
           <a:p>
             <a:fld id="{530820CF-B880-4189-942D-D702A7CBA730}" type="datetimeFigureOut">
               <a:rPr lang="zh-CN" altLang="en-US" smtClean="0"/>
-              <a:t>2018/6/1</a:t>
+              <a:t>2022/1/23</a:t>
             </a:fld>
             <a:endParaRPr lang="zh-CN" altLang="en-US"/>
           </a:p>
@@ -1071,10 +1080,9 @@
           <a:lstStyle/>
           <a:p>
             <a:r>
-              <a:rPr lang="zh-CN" altLang="en-US" smtClean="0"/>
+              <a:rPr lang="zh-CN" altLang="en-US"/>
               <a:t>单击此处编辑母版标题样式</a:t>
             </a:r>
-            <a:endParaRPr lang="zh-CN" altLang="en-US"/>
           </a:p>
         </p:txBody>
       </p:sp>
@@ -1100,38 +1108,37 @@
           <a:p>
             <a:pPr lvl="0"/>
             <a:r>
-              <a:rPr lang="zh-CN" altLang="en-US" smtClean="0"/>
+              <a:rPr lang="zh-CN" altLang="en-US"/>
               <a:t>单击此处编辑母版文本样式</a:t>
             </a:r>
           </a:p>
           <a:p>
             <a:pPr lvl="1"/>
             <a:r>
-              <a:rPr lang="zh-CN" altLang="en-US" smtClean="0"/>
+              <a:rPr lang="zh-CN" altLang="en-US"/>
               <a:t>第二级</a:t>
             </a:r>
           </a:p>
           <a:p>
             <a:pPr lvl="2"/>
             <a:r>
-              <a:rPr lang="zh-CN" altLang="en-US" smtClean="0"/>
+              <a:rPr lang="zh-CN" altLang="en-US"/>
               <a:t>第三级</a:t>
             </a:r>
           </a:p>
           <a:p>
             <a:pPr lvl="3"/>
             <a:r>
-              <a:rPr lang="zh-CN" altLang="en-US" smtClean="0"/>
+              <a:rPr lang="zh-CN" altLang="en-US"/>
               <a:t>第四级</a:t>
             </a:r>
           </a:p>
           <a:p>
             <a:pPr lvl="4"/>
             <a:r>
-              <a:rPr lang="zh-CN" altLang="en-US" smtClean="0"/>
+              <a:rPr lang="zh-CN" altLang="en-US"/>
               <a:t>第五级</a:t>
             </a:r>
-            <a:endParaRPr lang="zh-CN" altLang="en-US"/>
           </a:p>
         </p:txBody>
       </p:sp>
@@ -1152,7 +1159,7 @@
           <a:p>
             <a:fld id="{530820CF-B880-4189-942D-D702A7CBA730}" type="datetimeFigureOut">
               <a:rPr lang="zh-CN" altLang="en-US" smtClean="0"/>
-              <a:t>2018/6/1</a:t>
+              <a:t>2022/1/23</a:t>
             </a:fld>
             <a:endParaRPr lang="zh-CN" altLang="en-US"/>
           </a:p>
@@ -1241,10 +1248,9 @@
           <a:lstStyle/>
           <a:p>
             <a:r>
-              <a:rPr lang="zh-CN" altLang="en-US" smtClean="0"/>
+              <a:rPr lang="zh-CN" altLang="en-US"/>
               <a:t>单击此处编辑母版标题样式</a:t>
             </a:r>
-            <a:endParaRPr lang="zh-CN" altLang="en-US"/>
           </a:p>
         </p:txBody>
       </p:sp>
@@ -1265,38 +1271,37 @@
           <a:p>
             <a:pPr lvl="0"/>
             <a:r>
-              <a:rPr lang="zh-CN" altLang="en-US" smtClean="0"/>
+              <a:rPr lang="zh-CN" altLang="en-US"/>
               <a:t>单击此处编辑母版文本样式</a:t>
             </a:r>
           </a:p>
           <a:p>
             <a:pPr lvl="1"/>
             <a:r>
-              <a:rPr lang="zh-CN" altLang="en-US" smtClean="0"/>
+              <a:rPr lang="zh-CN" altLang="en-US"/>
               <a:t>第二级</a:t>
             </a:r>
           </a:p>
           <a:p>
             <a:pPr lvl="2"/>
             <a:r>
-              <a:rPr lang="zh-CN" altLang="en-US" smtClean="0"/>
+              <a:rPr lang="zh-CN" altLang="en-US"/>
               <a:t>第三级</a:t>
             </a:r>
           </a:p>
           <a:p>
             <a:pPr lvl="3"/>
             <a:r>
-              <a:rPr lang="zh-CN" altLang="en-US" smtClean="0"/>
+              <a:rPr lang="zh-CN" altLang="en-US"/>
               <a:t>第四级</a:t>
             </a:r>
           </a:p>
           <a:p>
             <a:pPr lvl="4"/>
             <a:r>
-              <a:rPr lang="zh-CN" altLang="en-US" smtClean="0"/>
+              <a:rPr lang="zh-CN" altLang="en-US"/>
               <a:t>第五级</a:t>
             </a:r>
-            <a:endParaRPr lang="zh-CN" altLang="en-US"/>
           </a:p>
         </p:txBody>
       </p:sp>
@@ -1317,7 +1322,7 @@
           <a:p>
             <a:fld id="{530820CF-B880-4189-942D-D702A7CBA730}" type="datetimeFigureOut">
               <a:rPr lang="zh-CN" altLang="en-US" smtClean="0"/>
-              <a:t>2018/6/1</a:t>
+              <a:t>2022/1/23</a:t>
             </a:fld>
             <a:endParaRPr lang="zh-CN" altLang="en-US"/>
           </a:p>
@@ -1415,10 +1420,9 @@
           </a:lstStyle>
           <a:p>
             <a:r>
-              <a:rPr lang="zh-CN" altLang="en-US" smtClean="0"/>
+              <a:rPr lang="zh-CN" altLang="en-US"/>
               <a:t>单击此处编辑母版标题样式</a:t>
             </a:r>
-            <a:endParaRPr lang="zh-CN" altLang="en-US"/>
           </a:p>
         </p:txBody>
       </p:sp>
@@ -1535,7 +1539,7 @@
           <a:p>
             <a:pPr lvl="0"/>
             <a:r>
-              <a:rPr lang="zh-CN" altLang="en-US" smtClean="0"/>
+              <a:rPr lang="zh-CN" altLang="en-US"/>
               <a:t>单击此处编辑母版文本样式</a:t>
             </a:r>
           </a:p>
@@ -1558,7 +1562,7 @@
           <a:p>
             <a:fld id="{530820CF-B880-4189-942D-D702A7CBA730}" type="datetimeFigureOut">
               <a:rPr lang="zh-CN" altLang="en-US" smtClean="0"/>
-              <a:t>2018/6/1</a:t>
+              <a:t>2022/1/23</a:t>
             </a:fld>
             <a:endParaRPr lang="zh-CN" altLang="en-US"/>
           </a:p>
@@ -1647,10 +1651,9 @@
           <a:lstStyle/>
           <a:p>
             <a:r>
-              <a:rPr lang="zh-CN" altLang="en-US" smtClean="0"/>
+              <a:rPr lang="zh-CN" altLang="en-US"/>
               <a:t>单击此处编辑母版标题样式</a:t>
             </a:r>
-            <a:endParaRPr lang="zh-CN" altLang="en-US"/>
           </a:p>
         </p:txBody>
       </p:sp>
@@ -1704,38 +1707,37 @@
           <a:p>
             <a:pPr lvl="0"/>
             <a:r>
-              <a:rPr lang="zh-CN" altLang="en-US" smtClean="0"/>
+              <a:rPr lang="zh-CN" altLang="en-US"/>
               <a:t>单击此处编辑母版文本样式</a:t>
             </a:r>
           </a:p>
           <a:p>
             <a:pPr lvl="1"/>
             <a:r>
-              <a:rPr lang="zh-CN" altLang="en-US" smtClean="0"/>
+              <a:rPr lang="zh-CN" altLang="en-US"/>
               <a:t>第二级</a:t>
             </a:r>
           </a:p>
           <a:p>
             <a:pPr lvl="2"/>
             <a:r>
-              <a:rPr lang="zh-CN" altLang="en-US" smtClean="0"/>
+              <a:rPr lang="zh-CN" altLang="en-US"/>
               <a:t>第三级</a:t>
             </a:r>
           </a:p>
           <a:p>
             <a:pPr lvl="3"/>
             <a:r>
-              <a:rPr lang="zh-CN" altLang="en-US" smtClean="0"/>
+              <a:rPr lang="zh-CN" altLang="en-US"/>
               <a:t>第四级</a:t>
             </a:r>
           </a:p>
           <a:p>
             <a:pPr lvl="4"/>
             <a:r>
-              <a:rPr lang="zh-CN" altLang="en-US" smtClean="0"/>
+              <a:rPr lang="zh-CN" altLang="en-US"/>
               <a:t>第五级</a:t>
             </a:r>
-            <a:endParaRPr lang="zh-CN" altLang="en-US"/>
           </a:p>
         </p:txBody>
       </p:sp>
@@ -1789,38 +1791,37 @@
           <a:p>
             <a:pPr lvl="0"/>
             <a:r>
-              <a:rPr lang="zh-CN" altLang="en-US" smtClean="0"/>
+              <a:rPr lang="zh-CN" altLang="en-US"/>
               <a:t>单击此处编辑母版文本样式</a:t>
             </a:r>
           </a:p>
           <a:p>
             <a:pPr lvl="1"/>
             <a:r>
-              <a:rPr lang="zh-CN" altLang="en-US" smtClean="0"/>
+              <a:rPr lang="zh-CN" altLang="en-US"/>
               <a:t>第二级</a:t>
             </a:r>
           </a:p>
           <a:p>
             <a:pPr lvl="2"/>
             <a:r>
-              <a:rPr lang="zh-CN" altLang="en-US" smtClean="0"/>
+              <a:rPr lang="zh-CN" altLang="en-US"/>
               <a:t>第三级</a:t>
             </a:r>
           </a:p>
           <a:p>
             <a:pPr lvl="3"/>
             <a:r>
-              <a:rPr lang="zh-CN" altLang="en-US" smtClean="0"/>
+              <a:rPr lang="zh-CN" altLang="en-US"/>
               <a:t>第四级</a:t>
             </a:r>
           </a:p>
           <a:p>
             <a:pPr lvl="4"/>
             <a:r>
-              <a:rPr lang="zh-CN" altLang="en-US" smtClean="0"/>
+              <a:rPr lang="zh-CN" altLang="en-US"/>
               <a:t>第五级</a:t>
             </a:r>
-            <a:endParaRPr lang="zh-CN" altLang="en-US"/>
           </a:p>
         </p:txBody>
       </p:sp>
@@ -1841,7 +1842,7 @@
           <a:p>
             <a:fld id="{530820CF-B880-4189-942D-D702A7CBA730}" type="datetimeFigureOut">
               <a:rPr lang="zh-CN" altLang="en-US" smtClean="0"/>
-              <a:t>2018/6/1</a:t>
+              <a:t>2022/1/23</a:t>
             </a:fld>
             <a:endParaRPr lang="zh-CN" altLang="en-US"/>
           </a:p>
@@ -1934,10 +1935,9 @@
           </a:lstStyle>
           <a:p>
             <a:r>
-              <a:rPr lang="zh-CN" altLang="en-US" smtClean="0"/>
+              <a:rPr lang="zh-CN" altLang="en-US"/>
               <a:t>单击此处编辑母版标题样式</a:t>
             </a:r>
-            <a:endParaRPr lang="zh-CN" altLang="en-US"/>
           </a:p>
         </p:txBody>
       </p:sp>
@@ -2000,7 +2000,7 @@
           <a:p>
             <a:pPr lvl="0"/>
             <a:r>
-              <a:rPr lang="zh-CN" altLang="en-US" smtClean="0"/>
+              <a:rPr lang="zh-CN" altLang="en-US"/>
               <a:t>单击此处编辑母版文本样式</a:t>
             </a:r>
           </a:p>
@@ -2056,38 +2056,37 @@
           <a:p>
             <a:pPr lvl="0"/>
             <a:r>
-              <a:rPr lang="zh-CN" altLang="en-US" smtClean="0"/>
+              <a:rPr lang="zh-CN" altLang="en-US"/>
               <a:t>单击此处编辑母版文本样式</a:t>
             </a:r>
           </a:p>
           <a:p>
             <a:pPr lvl="1"/>
             <a:r>
-              <a:rPr lang="zh-CN" altLang="en-US" smtClean="0"/>
+              <a:rPr lang="zh-CN" altLang="en-US"/>
               <a:t>第二级</a:t>
             </a:r>
           </a:p>
           <a:p>
             <a:pPr lvl="2"/>
             <a:r>
-              <a:rPr lang="zh-CN" altLang="en-US" smtClean="0"/>
+              <a:rPr lang="zh-CN" altLang="en-US"/>
               <a:t>第三级</a:t>
             </a:r>
           </a:p>
           <a:p>
             <a:pPr lvl="3"/>
             <a:r>
-              <a:rPr lang="zh-CN" altLang="en-US" smtClean="0"/>
+              <a:rPr lang="zh-CN" altLang="en-US"/>
               <a:t>第四级</a:t>
             </a:r>
           </a:p>
           <a:p>
             <a:pPr lvl="4"/>
             <a:r>
-              <a:rPr lang="zh-CN" altLang="en-US" smtClean="0"/>
+              <a:rPr lang="zh-CN" altLang="en-US"/>
               <a:t>第五级</a:t>
             </a:r>
-            <a:endParaRPr lang="zh-CN" altLang="en-US"/>
           </a:p>
         </p:txBody>
       </p:sp>
@@ -2150,7 +2149,7 @@
           <a:p>
             <a:pPr lvl="0"/>
             <a:r>
-              <a:rPr lang="zh-CN" altLang="en-US" smtClean="0"/>
+              <a:rPr lang="zh-CN" altLang="en-US"/>
               <a:t>单击此处编辑母版文本样式</a:t>
             </a:r>
           </a:p>
@@ -2206,38 +2205,37 @@
           <a:p>
             <a:pPr lvl="0"/>
             <a:r>
-              <a:rPr lang="zh-CN" altLang="en-US" smtClean="0"/>
+              <a:rPr lang="zh-CN" altLang="en-US"/>
               <a:t>单击此处编辑母版文本样式</a:t>
             </a:r>
           </a:p>
           <a:p>
             <a:pPr lvl="1"/>
             <a:r>
-              <a:rPr lang="zh-CN" altLang="en-US" smtClean="0"/>
+              <a:rPr lang="zh-CN" altLang="en-US"/>
               <a:t>第二级</a:t>
             </a:r>
           </a:p>
           <a:p>
             <a:pPr lvl="2"/>
             <a:r>
-              <a:rPr lang="zh-CN" altLang="en-US" smtClean="0"/>
+              <a:rPr lang="zh-CN" altLang="en-US"/>
               <a:t>第三级</a:t>
             </a:r>
           </a:p>
           <a:p>
             <a:pPr lvl="3"/>
             <a:r>
-              <a:rPr lang="zh-CN" altLang="en-US" smtClean="0"/>
+              <a:rPr lang="zh-CN" altLang="en-US"/>
               <a:t>第四级</a:t>
             </a:r>
           </a:p>
           <a:p>
             <a:pPr lvl="4"/>
             <a:r>
-              <a:rPr lang="zh-CN" altLang="en-US" smtClean="0"/>
+              <a:rPr lang="zh-CN" altLang="en-US"/>
               <a:t>第五级</a:t>
             </a:r>
-            <a:endParaRPr lang="zh-CN" altLang="en-US"/>
           </a:p>
         </p:txBody>
       </p:sp>
@@ -2258,7 +2256,7 @@
           <a:p>
             <a:fld id="{530820CF-B880-4189-942D-D702A7CBA730}" type="datetimeFigureOut">
               <a:rPr lang="zh-CN" altLang="en-US" smtClean="0"/>
-              <a:t>2018/6/1</a:t>
+              <a:t>2022/1/23</a:t>
             </a:fld>
             <a:endParaRPr lang="zh-CN" altLang="en-US"/>
           </a:p>
@@ -2347,10 +2345,9 @@
           <a:lstStyle/>
           <a:p>
             <a:r>
-              <a:rPr lang="zh-CN" altLang="en-US" smtClean="0"/>
+              <a:rPr lang="zh-CN" altLang="en-US"/>
               <a:t>单击此处编辑母版标题样式</a:t>
             </a:r>
-            <a:endParaRPr lang="zh-CN" altLang="en-US"/>
           </a:p>
         </p:txBody>
       </p:sp>
@@ -2371,7 +2368,7 @@
           <a:p>
             <a:fld id="{530820CF-B880-4189-942D-D702A7CBA730}" type="datetimeFigureOut">
               <a:rPr lang="zh-CN" altLang="en-US" smtClean="0"/>
-              <a:t>2018/6/1</a:t>
+              <a:t>2022/1/23</a:t>
             </a:fld>
             <a:endParaRPr lang="zh-CN" altLang="en-US"/>
           </a:p>
@@ -2461,7 +2458,7 @@
           <a:p>
             <a:fld id="{530820CF-B880-4189-942D-D702A7CBA730}" type="datetimeFigureOut">
               <a:rPr lang="zh-CN" altLang="en-US" smtClean="0"/>
-              <a:t>2018/6/1</a:t>
+              <a:t>2022/1/23</a:t>
             </a:fld>
             <a:endParaRPr lang="zh-CN" altLang="en-US"/>
           </a:p>
@@ -2559,10 +2556,9 @@
           </a:lstStyle>
           <a:p>
             <a:r>
-              <a:rPr lang="zh-CN" altLang="en-US" smtClean="0"/>
+              <a:rPr lang="zh-CN" altLang="en-US"/>
               <a:t>单击此处编辑母版标题样式</a:t>
             </a:r>
-            <a:endParaRPr lang="zh-CN" altLang="en-US"/>
           </a:p>
         </p:txBody>
       </p:sp>
@@ -2616,38 +2612,37 @@
           <a:p>
             <a:pPr lvl="0"/>
             <a:r>
-              <a:rPr lang="zh-CN" altLang="en-US" smtClean="0"/>
+              <a:rPr lang="zh-CN" altLang="en-US"/>
               <a:t>单击此处编辑母版文本样式</a:t>
             </a:r>
           </a:p>
           <a:p>
             <a:pPr lvl="1"/>
             <a:r>
-              <a:rPr lang="zh-CN" altLang="en-US" smtClean="0"/>
+              <a:rPr lang="zh-CN" altLang="en-US"/>
               <a:t>第二级</a:t>
             </a:r>
           </a:p>
           <a:p>
             <a:pPr lvl="2"/>
             <a:r>
-              <a:rPr lang="zh-CN" altLang="en-US" smtClean="0"/>
+              <a:rPr lang="zh-CN" altLang="en-US"/>
               <a:t>第三级</a:t>
             </a:r>
           </a:p>
           <a:p>
             <a:pPr lvl="3"/>
             <a:r>
-              <a:rPr lang="zh-CN" altLang="en-US" smtClean="0"/>
+              <a:rPr lang="zh-CN" altLang="en-US"/>
               <a:t>第四级</a:t>
             </a:r>
           </a:p>
           <a:p>
             <a:pPr lvl="4"/>
             <a:r>
-              <a:rPr lang="zh-CN" altLang="en-US" smtClean="0"/>
+              <a:rPr lang="zh-CN" altLang="en-US"/>
               <a:t>第五级</a:t>
             </a:r>
-            <a:endParaRPr lang="zh-CN" altLang="en-US"/>
           </a:p>
         </p:txBody>
       </p:sp>
@@ -2710,7 +2705,7 @@
           <a:p>
             <a:pPr lvl="0"/>
             <a:r>
-              <a:rPr lang="zh-CN" altLang="en-US" smtClean="0"/>
+              <a:rPr lang="zh-CN" altLang="en-US"/>
               <a:t>单击此处编辑母版文本样式</a:t>
             </a:r>
           </a:p>
@@ -2733,7 +2728,7 @@
           <a:p>
             <a:fld id="{530820CF-B880-4189-942D-D702A7CBA730}" type="datetimeFigureOut">
               <a:rPr lang="zh-CN" altLang="en-US" smtClean="0"/>
-              <a:t>2018/6/1</a:t>
+              <a:t>2022/1/23</a:t>
             </a:fld>
             <a:endParaRPr lang="zh-CN" altLang="en-US"/>
           </a:p>
@@ -2831,10 +2826,9 @@
           </a:lstStyle>
           <a:p>
             <a:r>
-              <a:rPr lang="zh-CN" altLang="en-US" smtClean="0"/>
+              <a:rPr lang="zh-CN" altLang="en-US"/>
               <a:t>单击此处编辑母版标题样式</a:t>
             </a:r>
-            <a:endParaRPr lang="zh-CN" altLang="en-US"/>
           </a:p>
         </p:txBody>
       </p:sp>
@@ -2958,7 +2952,7 @@
           <a:p>
             <a:pPr lvl="0"/>
             <a:r>
-              <a:rPr lang="zh-CN" altLang="en-US" smtClean="0"/>
+              <a:rPr lang="zh-CN" altLang="en-US"/>
               <a:t>单击此处编辑母版文本样式</a:t>
             </a:r>
           </a:p>
@@ -2981,7 +2975,7 @@
           <a:p>
             <a:fld id="{530820CF-B880-4189-942D-D702A7CBA730}" type="datetimeFigureOut">
               <a:rPr lang="zh-CN" altLang="en-US" smtClean="0"/>
-              <a:t>2018/6/1</a:t>
+              <a:t>2022/1/23</a:t>
             </a:fld>
             <a:endParaRPr lang="zh-CN" altLang="en-US"/>
           </a:p>
@@ -3085,10 +3079,9 @@
           <a:lstStyle/>
           <a:p>
             <a:r>
-              <a:rPr lang="zh-CN" altLang="en-US" smtClean="0"/>
+              <a:rPr lang="zh-CN" altLang="en-US"/>
               <a:t>单击此处编辑母版标题样式</a:t>
             </a:r>
-            <a:endParaRPr lang="zh-CN" altLang="en-US"/>
           </a:p>
         </p:txBody>
       </p:sp>
@@ -3119,38 +3112,37 @@
           <a:p>
             <a:pPr lvl="0"/>
             <a:r>
-              <a:rPr lang="zh-CN" altLang="en-US" smtClean="0"/>
+              <a:rPr lang="zh-CN" altLang="en-US"/>
               <a:t>单击此处编辑母版文本样式</a:t>
             </a:r>
           </a:p>
           <a:p>
             <a:pPr lvl="1"/>
             <a:r>
-              <a:rPr lang="zh-CN" altLang="en-US" smtClean="0"/>
+              <a:rPr lang="zh-CN" altLang="en-US"/>
               <a:t>第二级</a:t>
             </a:r>
           </a:p>
           <a:p>
             <a:pPr lvl="2"/>
             <a:r>
-              <a:rPr lang="zh-CN" altLang="en-US" smtClean="0"/>
+              <a:rPr lang="zh-CN" altLang="en-US"/>
               <a:t>第三级</a:t>
             </a:r>
           </a:p>
           <a:p>
             <a:pPr lvl="3"/>
             <a:r>
-              <a:rPr lang="zh-CN" altLang="en-US" smtClean="0"/>
+              <a:rPr lang="zh-CN" altLang="en-US"/>
               <a:t>第四级</a:t>
             </a:r>
           </a:p>
           <a:p>
             <a:pPr lvl="4"/>
             <a:r>
-              <a:rPr lang="zh-CN" altLang="en-US" smtClean="0"/>
+              <a:rPr lang="zh-CN" altLang="en-US"/>
               <a:t>第五级</a:t>
             </a:r>
-            <a:endParaRPr lang="zh-CN" altLang="en-US"/>
           </a:p>
         </p:txBody>
       </p:sp>
@@ -3189,7 +3181,7 @@
           <a:p>
             <a:fld id="{530820CF-B880-4189-942D-D702A7CBA730}" type="datetimeFigureOut">
               <a:rPr lang="zh-CN" altLang="en-US" smtClean="0"/>
-              <a:t>2018/6/1</a:t>
+              <a:t>2022/1/23</a:t>
             </a:fld>
             <a:endParaRPr lang="zh-CN" altLang="en-US"/>
           </a:p>
@@ -3561,17 +3553,73 @@
       </p:grpSpPr>
       <p:sp>
         <p:nvSpPr>
+          <p:cNvPr id="124" name="矩形: 圆角 123">
+            <a:extLst>
+              <a:ext uri="{FF2B5EF4-FFF2-40B4-BE49-F238E27FC236}">
+                <a16:creationId xmlns:a16="http://schemas.microsoft.com/office/drawing/2014/main" id="{05DCA3FD-AA17-43F9-96C3-470A264BA5A1}"/>
+              </a:ext>
+            </a:extLst>
+          </p:cNvPr>
+          <p:cNvSpPr/>
+          <p:nvPr/>
+        </p:nvSpPr>
+        <p:spPr>
+          <a:xfrm>
+            <a:off x="137205" y="2419392"/>
+            <a:ext cx="8856983" cy="4320480"/>
+          </a:xfrm>
+          <a:prstGeom prst="roundRect">
+            <a:avLst/>
+          </a:prstGeom>
+          <a:solidFill>
+            <a:schemeClr val="bg1"/>
+          </a:solidFill>
+        </p:spPr>
+        <p:style>
+          <a:lnRef idx="2">
+            <a:schemeClr val="accent1">
+              <a:shade val="50000"/>
+            </a:schemeClr>
+          </a:lnRef>
+          <a:fillRef idx="1">
+            <a:schemeClr val="accent1"/>
+          </a:fillRef>
+          <a:effectRef idx="0">
+            <a:schemeClr val="accent1"/>
+          </a:effectRef>
+          <a:fontRef idx="minor">
+            <a:schemeClr val="lt1"/>
+          </a:fontRef>
+        </p:style>
+        <p:txBody>
+          <a:bodyPr rtlCol="0" anchor="ctr"/>
+          <a:lstStyle/>
+          <a:p>
+            <a:pPr algn="ctr"/>
+            <a:endParaRPr lang="zh-CN" altLang="en-US"/>
+          </a:p>
+        </p:txBody>
+      </p:sp>
+      <p:sp>
+        <p:nvSpPr>
           <p:cNvPr id="2" name="标题 1"/>
           <p:cNvSpPr>
             <a:spLocks noGrp="1"/>
           </p:cNvSpPr>
           <p:nvPr>
-            <p:ph type="ctrTitle"/>
-          </p:nvPr>
-        </p:nvSpPr>
-        <p:spPr/>
-        <p:txBody>
-          <a:bodyPr/>
+            <p:ph type="title"/>
+          </p:nvPr>
+        </p:nvSpPr>
+        <p:spPr>
+          <a:xfrm>
+            <a:off x="457200" y="44624"/>
+            <a:ext cx="8229600" cy="737749"/>
+          </a:xfrm>
+        </p:spPr>
+        <p:txBody>
+          <a:bodyPr>
+            <a:normAutofit fontScale="90000"/>
+          </a:bodyPr>
           <a:lstStyle/>
           <a:p>
             <a:r>
@@ -3583,31 +3631,1464 @@
       </p:sp>
       <p:sp>
         <p:nvSpPr>
-          <p:cNvPr id="3" name="副标题 2"/>
-          <p:cNvSpPr>
-            <a:spLocks noGrp="1"/>
-          </p:cNvSpPr>
-          <p:nvPr>
-            <p:ph type="subTitle" idx="1"/>
-          </p:nvPr>
-        </p:nvSpPr>
-        <p:spPr/>
-        <p:txBody>
-          <a:bodyPr/>
-          <a:lstStyle/>
-          <a:p>
-            <a:r>
-              <a:rPr lang="en-US" altLang="zh-CN" dirty="0" smtClean="0"/>
-              <a:t>2018-01-10</a:t>
+          <p:cNvPr id="6" name="椭圆 5"/>
+          <p:cNvSpPr/>
+          <p:nvPr/>
+        </p:nvSpPr>
+        <p:spPr>
+          <a:xfrm>
+            <a:off x="3821796" y="1103651"/>
+            <a:ext cx="1487801" cy="648072"/>
+          </a:xfrm>
+          <a:prstGeom prst="ellipse">
+            <a:avLst/>
+          </a:prstGeom>
+        </p:spPr>
+        <p:style>
+          <a:lnRef idx="1">
+            <a:schemeClr val="accent1"/>
+          </a:lnRef>
+          <a:fillRef idx="2">
+            <a:schemeClr val="accent1"/>
+          </a:fillRef>
+          <a:effectRef idx="1">
+            <a:schemeClr val="accent1"/>
+          </a:effectRef>
+          <a:fontRef idx="minor">
+            <a:schemeClr val="dk1"/>
+          </a:fontRef>
+        </p:style>
+        <p:txBody>
+          <a:bodyPr rtlCol="0" anchor="ctr"/>
+          <a:lstStyle/>
+          <a:p>
+            <a:pPr algn="ctr"/>
+            <a:r>
+              <a:rPr lang="en-US" altLang="zh-CN" dirty="0"/>
+              <a:t>producer</a:t>
             </a:r>
             <a:endParaRPr lang="zh-CN" altLang="en-US" dirty="0"/>
           </a:p>
         </p:txBody>
       </p:sp>
+      <p:sp>
+        <p:nvSpPr>
+          <p:cNvPr id="15" name="TextBox 14"/>
+          <p:cNvSpPr txBox="1"/>
+          <p:nvPr/>
+        </p:nvSpPr>
+        <p:spPr>
+          <a:xfrm>
+            <a:off x="597082" y="2419392"/>
+            <a:ext cx="1368153" cy="369332"/>
+          </a:xfrm>
+          <a:prstGeom prst="rect">
+            <a:avLst/>
+          </a:prstGeom>
+          <a:noFill/>
+        </p:spPr>
+        <p:txBody>
+          <a:bodyPr wrap="square" rtlCol="0">
+            <a:spAutoFit/>
+          </a:bodyPr>
+          <a:lstStyle/>
+          <a:p>
+            <a:r>
+              <a:rPr lang="en-US" altLang="zh-CN" dirty="0" err="1"/>
+              <a:t>DisposeUnit</a:t>
+            </a:r>
+            <a:endParaRPr lang="zh-CN" altLang="en-US" dirty="0"/>
+          </a:p>
+        </p:txBody>
+      </p:sp>
+      <p:sp>
+        <p:nvSpPr>
+          <p:cNvPr id="22" name="TextBox 21"/>
+          <p:cNvSpPr txBox="1"/>
+          <p:nvPr/>
+        </p:nvSpPr>
+        <p:spPr>
+          <a:xfrm>
+            <a:off x="4590877" y="1912578"/>
+            <a:ext cx="994816" cy="307777"/>
+          </a:xfrm>
+          <a:prstGeom prst="rect">
+            <a:avLst/>
+          </a:prstGeom>
+          <a:noFill/>
+        </p:spPr>
+        <p:txBody>
+          <a:bodyPr wrap="square" rtlCol="0">
+            <a:spAutoFit/>
+          </a:bodyPr>
+          <a:lstStyle/>
+          <a:p>
+            <a:r>
+              <a:rPr lang="zh-CN" altLang="en-US" sz="1400" dirty="0"/>
+              <a:t>放入消息</a:t>
+            </a:r>
+          </a:p>
+        </p:txBody>
+      </p:sp>
+      <p:sp>
+        <p:nvSpPr>
+          <p:cNvPr id="58" name="TextBox 57"/>
+          <p:cNvSpPr txBox="1"/>
+          <p:nvPr/>
+        </p:nvSpPr>
+        <p:spPr>
+          <a:xfrm>
+            <a:off x="901520" y="5946462"/>
+            <a:ext cx="1058593" cy="314154"/>
+          </a:xfrm>
+          <a:prstGeom prst="rect">
+            <a:avLst/>
+          </a:prstGeom>
+          <a:noFill/>
+        </p:spPr>
+        <p:txBody>
+          <a:bodyPr wrap="square" rtlCol="0">
+            <a:spAutoFit/>
+          </a:bodyPr>
+          <a:lstStyle/>
+          <a:p>
+            <a:r>
+              <a:rPr lang="zh-CN" altLang="en-US" sz="1400" dirty="0"/>
+              <a:t>处理线程</a:t>
+            </a:r>
+            <a:r>
+              <a:rPr lang="en-US" altLang="zh-CN" sz="1400" dirty="0"/>
+              <a:t> 1</a:t>
+            </a:r>
+            <a:endParaRPr lang="zh-CN" altLang="en-US" sz="1400" dirty="0"/>
+          </a:p>
+        </p:txBody>
+      </p:sp>
+      <p:grpSp>
+        <p:nvGrpSpPr>
+          <p:cNvPr id="100" name="组合 99">
+            <a:extLst>
+              <a:ext uri="{FF2B5EF4-FFF2-40B4-BE49-F238E27FC236}">
+                <a16:creationId xmlns:a16="http://schemas.microsoft.com/office/drawing/2014/main" id="{289D3FDE-CA20-40FE-B074-7C6061620B9B}"/>
+              </a:ext>
+            </a:extLst>
+          </p:cNvPr>
+          <p:cNvGrpSpPr/>
+          <p:nvPr/>
+        </p:nvGrpSpPr>
+        <p:grpSpPr>
+          <a:xfrm>
+            <a:off x="334756" y="3501008"/>
+            <a:ext cx="2653068" cy="2041023"/>
+            <a:chOff x="395536" y="4005064"/>
+            <a:chExt cx="2653068" cy="2041023"/>
+          </a:xfrm>
+        </p:grpSpPr>
+        <p:sp>
+          <p:nvSpPr>
+            <p:cNvPr id="4" name="圆角矩形 3"/>
+            <p:cNvSpPr/>
+            <p:nvPr/>
+          </p:nvSpPr>
+          <p:spPr>
+            <a:xfrm>
+              <a:off x="556558" y="4005064"/>
+              <a:ext cx="2002810" cy="369332"/>
+            </a:xfrm>
+            <a:prstGeom prst="roundRect">
+              <a:avLst/>
+            </a:prstGeom>
+          </p:spPr>
+          <p:style>
+            <a:lnRef idx="2">
+              <a:schemeClr val="accent1"/>
+            </a:lnRef>
+            <a:fillRef idx="1">
+              <a:schemeClr val="lt1"/>
+            </a:fillRef>
+            <a:effectRef idx="0">
+              <a:schemeClr val="accent1"/>
+            </a:effectRef>
+            <a:fontRef idx="minor">
+              <a:schemeClr val="dk1"/>
+            </a:fontRef>
+          </p:style>
+          <p:txBody>
+            <a:bodyPr rtlCol="0" anchor="ctr"/>
+            <a:lstStyle/>
+            <a:p>
+              <a:pPr algn="ctr"/>
+              <a:r>
+                <a:rPr lang="en-US" altLang="zh-CN" dirty="0"/>
+                <a:t>MessageQueue</a:t>
+              </a:r>
+              <a:endParaRPr lang="zh-CN" altLang="en-US" dirty="0"/>
+            </a:p>
+          </p:txBody>
+        </p:sp>
+        <p:sp>
+          <p:nvSpPr>
+            <p:cNvPr id="8" name="圆角矩形 7"/>
+            <p:cNvSpPr/>
+            <p:nvPr/>
+          </p:nvSpPr>
+          <p:spPr>
+            <a:xfrm>
+              <a:off x="395536" y="4866213"/>
+              <a:ext cx="1217833" cy="307776"/>
+            </a:xfrm>
+            <a:prstGeom prst="roundRect">
+              <a:avLst/>
+            </a:prstGeom>
+          </p:spPr>
+          <p:style>
+            <a:lnRef idx="2">
+              <a:schemeClr val="accent1"/>
+            </a:lnRef>
+            <a:fillRef idx="1">
+              <a:schemeClr val="lt1"/>
+            </a:fillRef>
+            <a:effectRef idx="0">
+              <a:schemeClr val="accent1"/>
+            </a:effectRef>
+            <a:fontRef idx="minor">
+              <a:schemeClr val="dk1"/>
+            </a:fontRef>
+          </p:style>
+          <p:txBody>
+            <a:bodyPr rtlCol="0" anchor="ctr"/>
+            <a:lstStyle/>
+            <a:p>
+              <a:pPr algn="ctr"/>
+              <a:r>
+                <a:rPr lang="en-US" altLang="zh-CN" dirty="0" err="1"/>
+                <a:t>MsgBroker</a:t>
+              </a:r>
+              <a:endParaRPr lang="zh-CN" altLang="en-US" dirty="0"/>
+            </a:p>
+          </p:txBody>
+        </p:sp>
+        <p:sp>
+          <p:nvSpPr>
+            <p:cNvPr id="10" name="圆角矩形 9"/>
+            <p:cNvSpPr/>
+            <p:nvPr/>
+          </p:nvSpPr>
+          <p:spPr>
+            <a:xfrm>
+              <a:off x="1830771" y="4859287"/>
+              <a:ext cx="1217833" cy="307777"/>
+            </a:xfrm>
+            <a:prstGeom prst="roundRect">
+              <a:avLst/>
+            </a:prstGeom>
+          </p:spPr>
+          <p:style>
+            <a:lnRef idx="2">
+              <a:schemeClr val="accent1"/>
+            </a:lnRef>
+            <a:fillRef idx="1">
+              <a:schemeClr val="lt1"/>
+            </a:fillRef>
+            <a:effectRef idx="0">
+              <a:schemeClr val="accent1"/>
+            </a:effectRef>
+            <a:fontRef idx="minor">
+              <a:schemeClr val="dk1"/>
+            </a:fontRef>
+          </p:style>
+          <p:txBody>
+            <a:bodyPr rtlCol="0" anchor="ctr"/>
+            <a:lstStyle/>
+            <a:p>
+              <a:pPr algn="ctr"/>
+              <a:r>
+                <a:rPr lang="en-US" altLang="zh-CN" dirty="0" err="1"/>
+                <a:t>Superviser</a:t>
+              </a:r>
+              <a:endParaRPr lang="zh-CN" altLang="en-US" dirty="0"/>
+            </a:p>
+          </p:txBody>
+        </p:sp>
+        <p:sp>
+          <p:nvSpPr>
+            <p:cNvPr id="52" name="圆角矩形 3">
+              <a:extLst>
+                <a:ext uri="{FF2B5EF4-FFF2-40B4-BE49-F238E27FC236}">
+                  <a16:creationId xmlns:a16="http://schemas.microsoft.com/office/drawing/2014/main" id="{9931FDE4-E501-454C-B452-AE8E5A287148}"/>
+                </a:ext>
+              </a:extLst>
+            </p:cNvPr>
+            <p:cNvSpPr/>
+            <p:nvPr/>
+          </p:nvSpPr>
+          <p:spPr>
+            <a:xfrm>
+              <a:off x="706216" y="5676755"/>
+              <a:ext cx="2002810" cy="369332"/>
+            </a:xfrm>
+            <a:prstGeom prst="roundRect">
+              <a:avLst/>
+            </a:prstGeom>
+          </p:spPr>
+          <p:style>
+            <a:lnRef idx="2">
+              <a:schemeClr val="accent1"/>
+            </a:lnRef>
+            <a:fillRef idx="1">
+              <a:schemeClr val="lt1"/>
+            </a:fillRef>
+            <a:effectRef idx="0">
+              <a:schemeClr val="accent1"/>
+            </a:effectRef>
+            <a:fontRef idx="minor">
+              <a:schemeClr val="dk1"/>
+            </a:fontRef>
+          </p:style>
+          <p:txBody>
+            <a:bodyPr rtlCol="0" anchor="ctr"/>
+            <a:lstStyle/>
+            <a:p>
+              <a:pPr algn="ctr"/>
+              <a:r>
+                <a:rPr lang="en-US" altLang="zh-CN" dirty="0" err="1"/>
+                <a:t>MessageHandler</a:t>
+              </a:r>
+              <a:endParaRPr lang="zh-CN" altLang="en-US" dirty="0"/>
+            </a:p>
+          </p:txBody>
+        </p:sp>
+        <p:cxnSp>
+          <p:nvCxnSpPr>
+            <p:cNvPr id="50" name="直接箭头连接符 49">
+              <a:extLst>
+                <a:ext uri="{FF2B5EF4-FFF2-40B4-BE49-F238E27FC236}">
+                  <a16:creationId xmlns:a16="http://schemas.microsoft.com/office/drawing/2014/main" id="{E7FCB71D-2DCB-4D77-90B6-CF5005F2DF45}"/>
+                </a:ext>
+              </a:extLst>
+            </p:cNvPr>
+            <p:cNvCxnSpPr/>
+            <p:nvPr/>
+          </p:nvCxnSpPr>
+          <p:spPr>
+            <a:xfrm flipH="1">
+              <a:off x="1103121" y="4374396"/>
+              <a:ext cx="454842" cy="484891"/>
+            </a:xfrm>
+            <a:prstGeom prst="straightConnector1">
+              <a:avLst/>
+            </a:prstGeom>
+            <a:ln>
+              <a:tailEnd type="triangle"/>
+            </a:ln>
+          </p:spPr>
+          <p:style>
+            <a:lnRef idx="1">
+              <a:schemeClr val="accent1"/>
+            </a:lnRef>
+            <a:fillRef idx="0">
+              <a:schemeClr val="accent1"/>
+            </a:fillRef>
+            <a:effectRef idx="0">
+              <a:schemeClr val="accent1"/>
+            </a:effectRef>
+            <a:fontRef idx="minor">
+              <a:schemeClr val="tx1"/>
+            </a:fontRef>
+          </p:style>
+        </p:cxnSp>
+        <p:cxnSp>
+          <p:nvCxnSpPr>
+            <p:cNvPr id="53" name="直接箭头连接符 52">
+              <a:extLst>
+                <a:ext uri="{FF2B5EF4-FFF2-40B4-BE49-F238E27FC236}">
+                  <a16:creationId xmlns:a16="http://schemas.microsoft.com/office/drawing/2014/main" id="{79EA4982-E48C-4E29-BD05-750C4F287E92}"/>
+                </a:ext>
+              </a:extLst>
+            </p:cNvPr>
+            <p:cNvCxnSpPr>
+              <a:stCxn id="4" idx="2"/>
+              <a:endCxn id="10" idx="0"/>
+            </p:cNvCxnSpPr>
+            <p:nvPr/>
+          </p:nvCxnSpPr>
+          <p:spPr>
+            <a:xfrm>
+              <a:off x="1557963" y="4374396"/>
+              <a:ext cx="881725" cy="484891"/>
+            </a:xfrm>
+            <a:prstGeom prst="straightConnector1">
+              <a:avLst/>
+            </a:prstGeom>
+            <a:ln>
+              <a:tailEnd type="triangle"/>
+            </a:ln>
+          </p:spPr>
+          <p:style>
+            <a:lnRef idx="1">
+              <a:schemeClr val="accent1"/>
+            </a:lnRef>
+            <a:fillRef idx="0">
+              <a:schemeClr val="accent1"/>
+            </a:fillRef>
+            <a:effectRef idx="0">
+              <a:schemeClr val="accent1"/>
+            </a:effectRef>
+            <a:fontRef idx="minor">
+              <a:schemeClr val="tx1"/>
+            </a:fontRef>
+          </p:style>
+        </p:cxnSp>
+      </p:grpSp>
+      <p:cxnSp>
+        <p:nvCxnSpPr>
+          <p:cNvPr id="59" name="直接箭头连接符 58">
+            <a:extLst>
+              <a:ext uri="{FF2B5EF4-FFF2-40B4-BE49-F238E27FC236}">
+                <a16:creationId xmlns:a16="http://schemas.microsoft.com/office/drawing/2014/main" id="{EB402102-EC4C-4689-A7BB-C7362E2360D1}"/>
+              </a:ext>
+            </a:extLst>
+          </p:cNvPr>
+          <p:cNvCxnSpPr>
+            <a:stCxn id="8" idx="3"/>
+            <a:endCxn id="10" idx="1"/>
+          </p:cNvCxnSpPr>
+          <p:nvPr/>
+        </p:nvCxnSpPr>
+        <p:spPr>
+          <a:xfrm flipV="1">
+            <a:off x="1552589" y="4509120"/>
+            <a:ext cx="217402" cy="6925"/>
+          </a:xfrm>
+          <a:prstGeom prst="straightConnector1">
+            <a:avLst/>
+          </a:prstGeom>
+          <a:ln>
+            <a:tailEnd type="triangle"/>
+          </a:ln>
+        </p:spPr>
+        <p:style>
+          <a:lnRef idx="1">
+            <a:schemeClr val="accent1"/>
+          </a:lnRef>
+          <a:fillRef idx="0">
+            <a:schemeClr val="accent1"/>
+          </a:fillRef>
+          <a:effectRef idx="0">
+            <a:schemeClr val="accent1"/>
+          </a:effectRef>
+          <a:fontRef idx="minor">
+            <a:schemeClr val="tx1"/>
+          </a:fontRef>
+        </p:style>
+      </p:cxnSp>
+      <p:cxnSp>
+        <p:nvCxnSpPr>
+          <p:cNvPr id="64" name="连接符: 肘形 63">
+            <a:extLst>
+              <a:ext uri="{FF2B5EF4-FFF2-40B4-BE49-F238E27FC236}">
+                <a16:creationId xmlns:a16="http://schemas.microsoft.com/office/drawing/2014/main" id="{5707D163-9484-413B-9660-68E12AD9D627}"/>
+              </a:ext>
+            </a:extLst>
+          </p:cNvPr>
+          <p:cNvCxnSpPr>
+            <a:cxnSpLocks/>
+            <a:stCxn id="8" idx="2"/>
+            <a:endCxn id="52" idx="0"/>
+          </p:cNvCxnSpPr>
+          <p:nvPr/>
+        </p:nvCxnSpPr>
+        <p:spPr>
+          <a:xfrm rot="16200000" flipH="1">
+            <a:off x="1043874" y="4569732"/>
+            <a:ext cx="502766" cy="703168"/>
+          </a:xfrm>
+          <a:prstGeom prst="bentConnector3">
+            <a:avLst>
+              <a:gd name="adj1" fmla="val 50000"/>
+            </a:avLst>
+          </a:prstGeom>
+          <a:ln>
+            <a:tailEnd type="triangle"/>
+          </a:ln>
+        </p:spPr>
+        <p:style>
+          <a:lnRef idx="1">
+            <a:schemeClr val="accent1"/>
+          </a:lnRef>
+          <a:fillRef idx="0">
+            <a:schemeClr val="accent1"/>
+          </a:fillRef>
+          <a:effectRef idx="0">
+            <a:schemeClr val="accent1"/>
+          </a:effectRef>
+          <a:fontRef idx="minor">
+            <a:schemeClr val="tx1"/>
+          </a:fontRef>
+        </p:style>
+      </p:cxnSp>
+      <p:grpSp>
+        <p:nvGrpSpPr>
+          <p:cNvPr id="101" name="组合 100">
+            <a:extLst>
+              <a:ext uri="{FF2B5EF4-FFF2-40B4-BE49-F238E27FC236}">
+                <a16:creationId xmlns:a16="http://schemas.microsoft.com/office/drawing/2014/main" id="{6432FC82-095A-46C7-82E4-82C2662D961A}"/>
+              </a:ext>
+            </a:extLst>
+          </p:cNvPr>
+          <p:cNvGrpSpPr/>
+          <p:nvPr/>
+        </p:nvGrpSpPr>
+        <p:grpSpPr>
+          <a:xfrm>
+            <a:off x="3347864" y="3501008"/>
+            <a:ext cx="2653068" cy="2041023"/>
+            <a:chOff x="395536" y="4005064"/>
+            <a:chExt cx="2653068" cy="2041023"/>
+          </a:xfrm>
+        </p:grpSpPr>
+        <p:sp>
+          <p:nvSpPr>
+            <p:cNvPr id="102" name="圆角矩形 3">
+              <a:extLst>
+                <a:ext uri="{FF2B5EF4-FFF2-40B4-BE49-F238E27FC236}">
+                  <a16:creationId xmlns:a16="http://schemas.microsoft.com/office/drawing/2014/main" id="{4B20D856-1B6A-4625-877D-23F1A366B031}"/>
+                </a:ext>
+              </a:extLst>
+            </p:cNvPr>
+            <p:cNvSpPr/>
+            <p:nvPr/>
+          </p:nvSpPr>
+          <p:spPr>
+            <a:xfrm>
+              <a:off x="556558" y="4005064"/>
+              <a:ext cx="2002810" cy="369332"/>
+            </a:xfrm>
+            <a:prstGeom prst="roundRect">
+              <a:avLst/>
+            </a:prstGeom>
+          </p:spPr>
+          <p:style>
+            <a:lnRef idx="2">
+              <a:schemeClr val="accent1"/>
+            </a:lnRef>
+            <a:fillRef idx="1">
+              <a:schemeClr val="lt1"/>
+            </a:fillRef>
+            <a:effectRef idx="0">
+              <a:schemeClr val="accent1"/>
+            </a:effectRef>
+            <a:fontRef idx="minor">
+              <a:schemeClr val="dk1"/>
+            </a:fontRef>
+          </p:style>
+          <p:txBody>
+            <a:bodyPr rtlCol="0" anchor="ctr"/>
+            <a:lstStyle/>
+            <a:p>
+              <a:pPr algn="ctr"/>
+              <a:r>
+                <a:rPr lang="en-US" altLang="zh-CN" dirty="0"/>
+                <a:t>MessageQueue</a:t>
+              </a:r>
+              <a:endParaRPr lang="zh-CN" altLang="en-US" dirty="0"/>
+            </a:p>
+          </p:txBody>
+        </p:sp>
+        <p:sp>
+          <p:nvSpPr>
+            <p:cNvPr id="103" name="圆角矩形 7">
+              <a:extLst>
+                <a:ext uri="{FF2B5EF4-FFF2-40B4-BE49-F238E27FC236}">
+                  <a16:creationId xmlns:a16="http://schemas.microsoft.com/office/drawing/2014/main" id="{7DCB013F-DB74-4256-8F3D-A37444A74D56}"/>
+                </a:ext>
+              </a:extLst>
+            </p:cNvPr>
+            <p:cNvSpPr/>
+            <p:nvPr/>
+          </p:nvSpPr>
+          <p:spPr>
+            <a:xfrm>
+              <a:off x="395536" y="4866213"/>
+              <a:ext cx="1217833" cy="307776"/>
+            </a:xfrm>
+            <a:prstGeom prst="roundRect">
+              <a:avLst/>
+            </a:prstGeom>
+          </p:spPr>
+          <p:style>
+            <a:lnRef idx="2">
+              <a:schemeClr val="accent1"/>
+            </a:lnRef>
+            <a:fillRef idx="1">
+              <a:schemeClr val="lt1"/>
+            </a:fillRef>
+            <a:effectRef idx="0">
+              <a:schemeClr val="accent1"/>
+            </a:effectRef>
+            <a:fontRef idx="minor">
+              <a:schemeClr val="dk1"/>
+            </a:fontRef>
+          </p:style>
+          <p:txBody>
+            <a:bodyPr rtlCol="0" anchor="ctr"/>
+            <a:lstStyle/>
+            <a:p>
+              <a:pPr algn="ctr"/>
+              <a:r>
+                <a:rPr lang="en-US" altLang="zh-CN" dirty="0" err="1"/>
+                <a:t>MsgBroker</a:t>
+              </a:r>
+              <a:endParaRPr lang="zh-CN" altLang="en-US" dirty="0"/>
+            </a:p>
+          </p:txBody>
+        </p:sp>
+        <p:sp>
+          <p:nvSpPr>
+            <p:cNvPr id="104" name="圆角矩形 9">
+              <a:extLst>
+                <a:ext uri="{FF2B5EF4-FFF2-40B4-BE49-F238E27FC236}">
+                  <a16:creationId xmlns:a16="http://schemas.microsoft.com/office/drawing/2014/main" id="{B2378B77-25DA-4776-A931-DCDB53B02BCC}"/>
+                </a:ext>
+              </a:extLst>
+            </p:cNvPr>
+            <p:cNvSpPr/>
+            <p:nvPr/>
+          </p:nvSpPr>
+          <p:spPr>
+            <a:xfrm>
+              <a:off x="1830771" y="4859287"/>
+              <a:ext cx="1217833" cy="307777"/>
+            </a:xfrm>
+            <a:prstGeom prst="roundRect">
+              <a:avLst/>
+            </a:prstGeom>
+          </p:spPr>
+          <p:style>
+            <a:lnRef idx="2">
+              <a:schemeClr val="accent1"/>
+            </a:lnRef>
+            <a:fillRef idx="1">
+              <a:schemeClr val="lt1"/>
+            </a:fillRef>
+            <a:effectRef idx="0">
+              <a:schemeClr val="accent1"/>
+            </a:effectRef>
+            <a:fontRef idx="minor">
+              <a:schemeClr val="dk1"/>
+            </a:fontRef>
+          </p:style>
+          <p:txBody>
+            <a:bodyPr rtlCol="0" anchor="ctr"/>
+            <a:lstStyle/>
+            <a:p>
+              <a:pPr algn="ctr"/>
+              <a:r>
+                <a:rPr lang="en-US" altLang="zh-CN" dirty="0" err="1"/>
+                <a:t>Superviser</a:t>
+              </a:r>
+              <a:endParaRPr lang="zh-CN" altLang="en-US" dirty="0"/>
+            </a:p>
+          </p:txBody>
+        </p:sp>
+        <p:sp>
+          <p:nvSpPr>
+            <p:cNvPr id="105" name="圆角矩形 3">
+              <a:extLst>
+                <a:ext uri="{FF2B5EF4-FFF2-40B4-BE49-F238E27FC236}">
+                  <a16:creationId xmlns:a16="http://schemas.microsoft.com/office/drawing/2014/main" id="{18545059-C194-4C74-B726-79CD6CD4F451}"/>
+                </a:ext>
+              </a:extLst>
+            </p:cNvPr>
+            <p:cNvSpPr/>
+            <p:nvPr/>
+          </p:nvSpPr>
+          <p:spPr>
+            <a:xfrm>
+              <a:off x="706216" y="5676755"/>
+              <a:ext cx="2002810" cy="369332"/>
+            </a:xfrm>
+            <a:prstGeom prst="roundRect">
+              <a:avLst/>
+            </a:prstGeom>
+          </p:spPr>
+          <p:style>
+            <a:lnRef idx="2">
+              <a:schemeClr val="accent1"/>
+            </a:lnRef>
+            <a:fillRef idx="1">
+              <a:schemeClr val="lt1"/>
+            </a:fillRef>
+            <a:effectRef idx="0">
+              <a:schemeClr val="accent1"/>
+            </a:effectRef>
+            <a:fontRef idx="minor">
+              <a:schemeClr val="dk1"/>
+            </a:fontRef>
+          </p:style>
+          <p:txBody>
+            <a:bodyPr rtlCol="0" anchor="ctr"/>
+            <a:lstStyle/>
+            <a:p>
+              <a:pPr algn="ctr"/>
+              <a:r>
+                <a:rPr lang="en-US" altLang="zh-CN" dirty="0" err="1"/>
+                <a:t>MessageHandler</a:t>
+              </a:r>
+              <a:endParaRPr lang="zh-CN" altLang="en-US" dirty="0"/>
+            </a:p>
+          </p:txBody>
+        </p:sp>
+        <p:cxnSp>
+          <p:nvCxnSpPr>
+            <p:cNvPr id="106" name="直接箭头连接符 105">
+              <a:extLst>
+                <a:ext uri="{FF2B5EF4-FFF2-40B4-BE49-F238E27FC236}">
+                  <a16:creationId xmlns:a16="http://schemas.microsoft.com/office/drawing/2014/main" id="{DA360E90-BDFB-4955-9DD4-823AC999BC12}"/>
+                </a:ext>
+              </a:extLst>
+            </p:cNvPr>
+            <p:cNvCxnSpPr/>
+            <p:nvPr/>
+          </p:nvCxnSpPr>
+          <p:spPr>
+            <a:xfrm flipH="1">
+              <a:off x="1103121" y="4374396"/>
+              <a:ext cx="454842" cy="484891"/>
+            </a:xfrm>
+            <a:prstGeom prst="straightConnector1">
+              <a:avLst/>
+            </a:prstGeom>
+            <a:ln>
+              <a:tailEnd type="triangle"/>
+            </a:ln>
+          </p:spPr>
+          <p:style>
+            <a:lnRef idx="1">
+              <a:schemeClr val="accent1"/>
+            </a:lnRef>
+            <a:fillRef idx="0">
+              <a:schemeClr val="accent1"/>
+            </a:fillRef>
+            <a:effectRef idx="0">
+              <a:schemeClr val="accent1"/>
+            </a:effectRef>
+            <a:fontRef idx="minor">
+              <a:schemeClr val="tx1"/>
+            </a:fontRef>
+          </p:style>
+        </p:cxnSp>
+        <p:cxnSp>
+          <p:nvCxnSpPr>
+            <p:cNvPr id="107" name="直接箭头连接符 106">
+              <a:extLst>
+                <a:ext uri="{FF2B5EF4-FFF2-40B4-BE49-F238E27FC236}">
+                  <a16:creationId xmlns:a16="http://schemas.microsoft.com/office/drawing/2014/main" id="{72B065D3-454E-40FA-B2D1-4A56C7704866}"/>
+                </a:ext>
+              </a:extLst>
+            </p:cNvPr>
+            <p:cNvCxnSpPr>
+              <a:stCxn id="102" idx="2"/>
+              <a:endCxn id="104" idx="0"/>
+            </p:cNvCxnSpPr>
+            <p:nvPr/>
+          </p:nvCxnSpPr>
+          <p:spPr>
+            <a:xfrm>
+              <a:off x="1557963" y="4374396"/>
+              <a:ext cx="881725" cy="484891"/>
+            </a:xfrm>
+            <a:prstGeom prst="straightConnector1">
+              <a:avLst/>
+            </a:prstGeom>
+            <a:ln>
+              <a:tailEnd type="triangle"/>
+            </a:ln>
+          </p:spPr>
+          <p:style>
+            <a:lnRef idx="1">
+              <a:schemeClr val="accent1"/>
+            </a:lnRef>
+            <a:fillRef idx="0">
+              <a:schemeClr val="accent1"/>
+            </a:fillRef>
+            <a:effectRef idx="0">
+              <a:schemeClr val="accent1"/>
+            </a:effectRef>
+            <a:fontRef idx="minor">
+              <a:schemeClr val="tx1"/>
+            </a:fontRef>
+          </p:style>
+        </p:cxnSp>
+      </p:grpSp>
+      <p:grpSp>
+        <p:nvGrpSpPr>
+          <p:cNvPr id="108" name="组合 107">
+            <a:extLst>
+              <a:ext uri="{FF2B5EF4-FFF2-40B4-BE49-F238E27FC236}">
+                <a16:creationId xmlns:a16="http://schemas.microsoft.com/office/drawing/2014/main" id="{E42C9073-EEE8-4A55-BD3E-EF8C3D9C9094}"/>
+              </a:ext>
+            </a:extLst>
+          </p:cNvPr>
+          <p:cNvGrpSpPr/>
+          <p:nvPr/>
+        </p:nvGrpSpPr>
+        <p:grpSpPr>
+          <a:xfrm>
+            <a:off x="6239412" y="3476209"/>
+            <a:ext cx="2653068" cy="2041023"/>
+            <a:chOff x="395536" y="4005064"/>
+            <a:chExt cx="2653068" cy="2041023"/>
+          </a:xfrm>
+        </p:grpSpPr>
+        <p:sp>
+          <p:nvSpPr>
+            <p:cNvPr id="109" name="圆角矩形 3">
+              <a:extLst>
+                <a:ext uri="{FF2B5EF4-FFF2-40B4-BE49-F238E27FC236}">
+                  <a16:creationId xmlns:a16="http://schemas.microsoft.com/office/drawing/2014/main" id="{B82B770C-3CA3-442E-BD9B-688DAA3A6FAA}"/>
+                </a:ext>
+              </a:extLst>
+            </p:cNvPr>
+            <p:cNvSpPr/>
+            <p:nvPr/>
+          </p:nvSpPr>
+          <p:spPr>
+            <a:xfrm>
+              <a:off x="556558" y="4005064"/>
+              <a:ext cx="2002810" cy="369332"/>
+            </a:xfrm>
+            <a:prstGeom prst="roundRect">
+              <a:avLst/>
+            </a:prstGeom>
+          </p:spPr>
+          <p:style>
+            <a:lnRef idx="2">
+              <a:schemeClr val="accent1"/>
+            </a:lnRef>
+            <a:fillRef idx="1">
+              <a:schemeClr val="lt1"/>
+            </a:fillRef>
+            <a:effectRef idx="0">
+              <a:schemeClr val="accent1"/>
+            </a:effectRef>
+            <a:fontRef idx="minor">
+              <a:schemeClr val="dk1"/>
+            </a:fontRef>
+          </p:style>
+          <p:txBody>
+            <a:bodyPr rtlCol="0" anchor="ctr"/>
+            <a:lstStyle/>
+            <a:p>
+              <a:pPr algn="ctr"/>
+              <a:r>
+                <a:rPr lang="en-US" altLang="zh-CN" dirty="0"/>
+                <a:t>MessageQueue</a:t>
+              </a:r>
+              <a:endParaRPr lang="zh-CN" altLang="en-US" dirty="0"/>
+            </a:p>
+          </p:txBody>
+        </p:sp>
+        <p:sp>
+          <p:nvSpPr>
+            <p:cNvPr id="110" name="圆角矩形 7">
+              <a:extLst>
+                <a:ext uri="{FF2B5EF4-FFF2-40B4-BE49-F238E27FC236}">
+                  <a16:creationId xmlns:a16="http://schemas.microsoft.com/office/drawing/2014/main" id="{63B3C188-6BD5-4E2F-B5ED-7E1BF72C4BAF}"/>
+                </a:ext>
+              </a:extLst>
+            </p:cNvPr>
+            <p:cNvSpPr/>
+            <p:nvPr/>
+          </p:nvSpPr>
+          <p:spPr>
+            <a:xfrm>
+              <a:off x="395536" y="4866213"/>
+              <a:ext cx="1217833" cy="307776"/>
+            </a:xfrm>
+            <a:prstGeom prst="roundRect">
+              <a:avLst/>
+            </a:prstGeom>
+          </p:spPr>
+          <p:style>
+            <a:lnRef idx="2">
+              <a:schemeClr val="accent1"/>
+            </a:lnRef>
+            <a:fillRef idx="1">
+              <a:schemeClr val="lt1"/>
+            </a:fillRef>
+            <a:effectRef idx="0">
+              <a:schemeClr val="accent1"/>
+            </a:effectRef>
+            <a:fontRef idx="minor">
+              <a:schemeClr val="dk1"/>
+            </a:fontRef>
+          </p:style>
+          <p:txBody>
+            <a:bodyPr rtlCol="0" anchor="ctr"/>
+            <a:lstStyle/>
+            <a:p>
+              <a:pPr algn="ctr"/>
+              <a:r>
+                <a:rPr lang="en-US" altLang="zh-CN" dirty="0" err="1"/>
+                <a:t>MsgBroker</a:t>
+              </a:r>
+              <a:endParaRPr lang="zh-CN" altLang="en-US" dirty="0"/>
+            </a:p>
+          </p:txBody>
+        </p:sp>
+        <p:sp>
+          <p:nvSpPr>
+            <p:cNvPr id="111" name="圆角矩形 9">
+              <a:extLst>
+                <a:ext uri="{FF2B5EF4-FFF2-40B4-BE49-F238E27FC236}">
+                  <a16:creationId xmlns:a16="http://schemas.microsoft.com/office/drawing/2014/main" id="{62EEC8FA-98AB-4DB5-A8AF-276469BE1182}"/>
+                </a:ext>
+              </a:extLst>
+            </p:cNvPr>
+            <p:cNvSpPr/>
+            <p:nvPr/>
+          </p:nvSpPr>
+          <p:spPr>
+            <a:xfrm>
+              <a:off x="1830771" y="4859287"/>
+              <a:ext cx="1217833" cy="307777"/>
+            </a:xfrm>
+            <a:prstGeom prst="roundRect">
+              <a:avLst/>
+            </a:prstGeom>
+          </p:spPr>
+          <p:style>
+            <a:lnRef idx="2">
+              <a:schemeClr val="accent1"/>
+            </a:lnRef>
+            <a:fillRef idx="1">
+              <a:schemeClr val="lt1"/>
+            </a:fillRef>
+            <a:effectRef idx="0">
+              <a:schemeClr val="accent1"/>
+            </a:effectRef>
+            <a:fontRef idx="minor">
+              <a:schemeClr val="dk1"/>
+            </a:fontRef>
+          </p:style>
+          <p:txBody>
+            <a:bodyPr rtlCol="0" anchor="ctr"/>
+            <a:lstStyle/>
+            <a:p>
+              <a:pPr algn="ctr"/>
+              <a:r>
+                <a:rPr lang="en-US" altLang="zh-CN" dirty="0" err="1"/>
+                <a:t>Superviser</a:t>
+              </a:r>
+              <a:endParaRPr lang="zh-CN" altLang="en-US" dirty="0"/>
+            </a:p>
+          </p:txBody>
+        </p:sp>
+        <p:sp>
+          <p:nvSpPr>
+            <p:cNvPr id="112" name="圆角矩形 3">
+              <a:extLst>
+                <a:ext uri="{FF2B5EF4-FFF2-40B4-BE49-F238E27FC236}">
+                  <a16:creationId xmlns:a16="http://schemas.microsoft.com/office/drawing/2014/main" id="{D6077EC5-5343-4719-9A7C-ACF651F37CF0}"/>
+                </a:ext>
+              </a:extLst>
+            </p:cNvPr>
+            <p:cNvSpPr/>
+            <p:nvPr/>
+          </p:nvSpPr>
+          <p:spPr>
+            <a:xfrm>
+              <a:off x="706216" y="5676755"/>
+              <a:ext cx="2002810" cy="369332"/>
+            </a:xfrm>
+            <a:prstGeom prst="roundRect">
+              <a:avLst/>
+            </a:prstGeom>
+          </p:spPr>
+          <p:style>
+            <a:lnRef idx="2">
+              <a:schemeClr val="accent1"/>
+            </a:lnRef>
+            <a:fillRef idx="1">
+              <a:schemeClr val="lt1"/>
+            </a:fillRef>
+            <a:effectRef idx="0">
+              <a:schemeClr val="accent1"/>
+            </a:effectRef>
+            <a:fontRef idx="minor">
+              <a:schemeClr val="dk1"/>
+            </a:fontRef>
+          </p:style>
+          <p:txBody>
+            <a:bodyPr rtlCol="0" anchor="ctr"/>
+            <a:lstStyle/>
+            <a:p>
+              <a:pPr algn="ctr"/>
+              <a:r>
+                <a:rPr lang="en-US" altLang="zh-CN" dirty="0" err="1"/>
+                <a:t>MessageHandler</a:t>
+              </a:r>
+              <a:endParaRPr lang="zh-CN" altLang="en-US" dirty="0"/>
+            </a:p>
+          </p:txBody>
+        </p:sp>
+        <p:cxnSp>
+          <p:nvCxnSpPr>
+            <p:cNvPr id="113" name="直接箭头连接符 112">
+              <a:extLst>
+                <a:ext uri="{FF2B5EF4-FFF2-40B4-BE49-F238E27FC236}">
+                  <a16:creationId xmlns:a16="http://schemas.microsoft.com/office/drawing/2014/main" id="{E715EC43-88E1-447C-9391-12147D1E0732}"/>
+                </a:ext>
+              </a:extLst>
+            </p:cNvPr>
+            <p:cNvCxnSpPr/>
+            <p:nvPr/>
+          </p:nvCxnSpPr>
+          <p:spPr>
+            <a:xfrm flipH="1">
+              <a:off x="1103121" y="4374396"/>
+              <a:ext cx="454842" cy="484891"/>
+            </a:xfrm>
+            <a:prstGeom prst="straightConnector1">
+              <a:avLst/>
+            </a:prstGeom>
+            <a:ln>
+              <a:tailEnd type="triangle"/>
+            </a:ln>
+          </p:spPr>
+          <p:style>
+            <a:lnRef idx="1">
+              <a:schemeClr val="accent1"/>
+            </a:lnRef>
+            <a:fillRef idx="0">
+              <a:schemeClr val="accent1"/>
+            </a:fillRef>
+            <a:effectRef idx="0">
+              <a:schemeClr val="accent1"/>
+            </a:effectRef>
+            <a:fontRef idx="minor">
+              <a:schemeClr val="tx1"/>
+            </a:fontRef>
+          </p:style>
+        </p:cxnSp>
+        <p:cxnSp>
+          <p:nvCxnSpPr>
+            <p:cNvPr id="114" name="直接箭头连接符 113">
+              <a:extLst>
+                <a:ext uri="{FF2B5EF4-FFF2-40B4-BE49-F238E27FC236}">
+                  <a16:creationId xmlns:a16="http://schemas.microsoft.com/office/drawing/2014/main" id="{85BC7FE5-2811-4F1F-BAD7-EF1C04486768}"/>
+                </a:ext>
+              </a:extLst>
+            </p:cNvPr>
+            <p:cNvCxnSpPr>
+              <a:stCxn id="109" idx="2"/>
+              <a:endCxn id="111" idx="0"/>
+            </p:cNvCxnSpPr>
+            <p:nvPr/>
+          </p:nvCxnSpPr>
+          <p:spPr>
+            <a:xfrm>
+              <a:off x="1557963" y="4374396"/>
+              <a:ext cx="881725" cy="484891"/>
+            </a:xfrm>
+            <a:prstGeom prst="straightConnector1">
+              <a:avLst/>
+            </a:prstGeom>
+            <a:ln>
+              <a:tailEnd type="triangle"/>
+            </a:ln>
+          </p:spPr>
+          <p:style>
+            <a:lnRef idx="1">
+              <a:schemeClr val="accent1"/>
+            </a:lnRef>
+            <a:fillRef idx="0">
+              <a:schemeClr val="accent1"/>
+            </a:fillRef>
+            <a:effectRef idx="0">
+              <a:schemeClr val="accent1"/>
+            </a:effectRef>
+            <a:fontRef idx="minor">
+              <a:schemeClr val="tx1"/>
+            </a:fontRef>
+          </p:style>
+        </p:cxnSp>
+      </p:grpSp>
+      <p:sp>
+        <p:nvSpPr>
+          <p:cNvPr id="132" name="TextBox 57">
+            <a:extLst>
+              <a:ext uri="{FF2B5EF4-FFF2-40B4-BE49-F238E27FC236}">
+                <a16:creationId xmlns:a16="http://schemas.microsoft.com/office/drawing/2014/main" id="{C070A954-0C3E-4AD6-8F52-27D59CA87A45}"/>
+              </a:ext>
+            </a:extLst>
+          </p:cNvPr>
+          <p:cNvSpPr txBox="1"/>
+          <p:nvPr/>
+        </p:nvSpPr>
+        <p:spPr>
+          <a:xfrm>
+            <a:off x="3874864" y="5912575"/>
+            <a:ext cx="1058593" cy="314154"/>
+          </a:xfrm>
+          <a:prstGeom prst="rect">
+            <a:avLst/>
+          </a:prstGeom>
+          <a:noFill/>
+        </p:spPr>
+        <p:txBody>
+          <a:bodyPr wrap="square" rtlCol="0">
+            <a:spAutoFit/>
+          </a:bodyPr>
+          <a:lstStyle/>
+          <a:p>
+            <a:r>
+              <a:rPr lang="zh-CN" altLang="en-US" sz="1400" dirty="0"/>
+              <a:t>处理线程 </a:t>
+            </a:r>
+            <a:r>
+              <a:rPr lang="en-US" altLang="zh-CN" sz="1400" dirty="0"/>
+              <a:t>2</a:t>
+            </a:r>
+            <a:endParaRPr lang="zh-CN" altLang="en-US" sz="1400" dirty="0"/>
+          </a:p>
+        </p:txBody>
+      </p:sp>
+      <p:sp>
+        <p:nvSpPr>
+          <p:cNvPr id="133" name="TextBox 57">
+            <a:extLst>
+              <a:ext uri="{FF2B5EF4-FFF2-40B4-BE49-F238E27FC236}">
+                <a16:creationId xmlns:a16="http://schemas.microsoft.com/office/drawing/2014/main" id="{6CD7FD51-30C1-4CC2-A408-84C37DF7C527}"/>
+              </a:ext>
+            </a:extLst>
+          </p:cNvPr>
+          <p:cNvSpPr txBox="1"/>
+          <p:nvPr/>
+        </p:nvSpPr>
+        <p:spPr>
+          <a:xfrm>
+            <a:off x="7082980" y="5898242"/>
+            <a:ext cx="1058593" cy="314154"/>
+          </a:xfrm>
+          <a:prstGeom prst="rect">
+            <a:avLst/>
+          </a:prstGeom>
+          <a:noFill/>
+        </p:spPr>
+        <p:txBody>
+          <a:bodyPr wrap="square" rtlCol="0">
+            <a:spAutoFit/>
+          </a:bodyPr>
+          <a:lstStyle/>
+          <a:p>
+            <a:r>
+              <a:rPr lang="zh-CN" altLang="en-US" sz="1400" dirty="0"/>
+              <a:t>处理线程</a:t>
+            </a:r>
+            <a:r>
+              <a:rPr lang="en-US" altLang="zh-CN" sz="1400" dirty="0"/>
+              <a:t> N</a:t>
+            </a:r>
+            <a:endParaRPr lang="zh-CN" altLang="en-US" sz="1400" dirty="0"/>
+          </a:p>
+        </p:txBody>
+      </p:sp>
+      <p:cxnSp>
+        <p:nvCxnSpPr>
+          <p:cNvPr id="137" name="直接箭头连接符 136">
+            <a:extLst>
+              <a:ext uri="{FF2B5EF4-FFF2-40B4-BE49-F238E27FC236}">
+                <a16:creationId xmlns:a16="http://schemas.microsoft.com/office/drawing/2014/main" id="{CCDC96A1-F1C1-469D-948F-CF2520C682A5}"/>
+              </a:ext>
+            </a:extLst>
+          </p:cNvPr>
+          <p:cNvCxnSpPr>
+            <a:cxnSpLocks/>
+            <a:stCxn id="6" idx="4"/>
+            <a:endCxn id="124" idx="0"/>
+          </p:cNvCxnSpPr>
+          <p:nvPr/>
+        </p:nvCxnSpPr>
+        <p:spPr>
+          <a:xfrm>
+            <a:off x="4565697" y="1751723"/>
+            <a:ext cx="0" cy="667669"/>
+          </a:xfrm>
+          <a:prstGeom prst="straightConnector1">
+            <a:avLst/>
+          </a:prstGeom>
+          <a:ln>
+            <a:tailEnd type="triangle"/>
+          </a:ln>
+        </p:spPr>
+        <p:style>
+          <a:lnRef idx="1">
+            <a:schemeClr val="accent1"/>
+          </a:lnRef>
+          <a:fillRef idx="0">
+            <a:schemeClr val="accent1"/>
+          </a:fillRef>
+          <a:effectRef idx="0">
+            <a:schemeClr val="accent1"/>
+          </a:effectRef>
+          <a:fontRef idx="minor">
+            <a:schemeClr val="tx1"/>
+          </a:fontRef>
+        </p:style>
+      </p:cxnSp>
+      <p:cxnSp>
+        <p:nvCxnSpPr>
+          <p:cNvPr id="147" name="直接箭头连接符 146">
+            <a:extLst>
+              <a:ext uri="{FF2B5EF4-FFF2-40B4-BE49-F238E27FC236}">
+                <a16:creationId xmlns:a16="http://schemas.microsoft.com/office/drawing/2014/main" id="{70D40BA7-9699-4367-87A8-E5DA1C7B42E8}"/>
+              </a:ext>
+            </a:extLst>
+          </p:cNvPr>
+          <p:cNvCxnSpPr>
+            <a:cxnSpLocks/>
+            <a:stCxn id="124" idx="0"/>
+          </p:cNvCxnSpPr>
+          <p:nvPr/>
+        </p:nvCxnSpPr>
+        <p:spPr>
+          <a:xfrm flipH="1">
+            <a:off x="1141139" y="2419392"/>
+            <a:ext cx="3424558" cy="1152128"/>
+          </a:xfrm>
+          <a:prstGeom prst="straightConnector1">
+            <a:avLst/>
+          </a:prstGeom>
+          <a:ln>
+            <a:tailEnd type="triangle"/>
+          </a:ln>
+        </p:spPr>
+        <p:style>
+          <a:lnRef idx="1">
+            <a:schemeClr val="accent1"/>
+          </a:lnRef>
+          <a:fillRef idx="0">
+            <a:schemeClr val="accent1"/>
+          </a:fillRef>
+          <a:effectRef idx="0">
+            <a:schemeClr val="accent1"/>
+          </a:effectRef>
+          <a:fontRef idx="minor">
+            <a:schemeClr val="tx1"/>
+          </a:fontRef>
+        </p:style>
+      </p:cxnSp>
+      <p:cxnSp>
+        <p:nvCxnSpPr>
+          <p:cNvPr id="149" name="直接箭头连接符 148">
+            <a:extLst>
+              <a:ext uri="{FF2B5EF4-FFF2-40B4-BE49-F238E27FC236}">
+                <a16:creationId xmlns:a16="http://schemas.microsoft.com/office/drawing/2014/main" id="{D06BEF75-94F4-45FE-AAB0-2EE9BC3EB02E}"/>
+              </a:ext>
+            </a:extLst>
+          </p:cNvPr>
+          <p:cNvCxnSpPr>
+            <a:cxnSpLocks/>
+            <a:stCxn id="124" idx="0"/>
+            <a:endCxn id="102" idx="0"/>
+          </p:cNvCxnSpPr>
+          <p:nvPr/>
+        </p:nvCxnSpPr>
+        <p:spPr>
+          <a:xfrm flipH="1">
+            <a:off x="4510291" y="2419392"/>
+            <a:ext cx="55406" cy="1081616"/>
+          </a:xfrm>
+          <a:prstGeom prst="straightConnector1">
+            <a:avLst/>
+          </a:prstGeom>
+          <a:ln>
+            <a:tailEnd type="triangle"/>
+          </a:ln>
+        </p:spPr>
+        <p:style>
+          <a:lnRef idx="1">
+            <a:schemeClr val="accent1"/>
+          </a:lnRef>
+          <a:fillRef idx="0">
+            <a:schemeClr val="accent1"/>
+          </a:fillRef>
+          <a:effectRef idx="0">
+            <a:schemeClr val="accent1"/>
+          </a:effectRef>
+          <a:fontRef idx="minor">
+            <a:schemeClr val="tx1"/>
+          </a:fontRef>
+        </p:style>
+      </p:cxnSp>
+      <p:cxnSp>
+        <p:nvCxnSpPr>
+          <p:cNvPr id="151" name="直接箭头连接符 150">
+            <a:extLst>
+              <a:ext uri="{FF2B5EF4-FFF2-40B4-BE49-F238E27FC236}">
+                <a16:creationId xmlns:a16="http://schemas.microsoft.com/office/drawing/2014/main" id="{1A5B5A9D-50BD-4B7A-909F-69E0D03BA4B7}"/>
+              </a:ext>
+            </a:extLst>
+          </p:cNvPr>
+          <p:cNvCxnSpPr>
+            <a:cxnSpLocks/>
+            <a:stCxn id="124" idx="0"/>
+            <a:endCxn id="109" idx="0"/>
+          </p:cNvCxnSpPr>
+          <p:nvPr/>
+        </p:nvCxnSpPr>
+        <p:spPr>
+          <a:xfrm>
+            <a:off x="4565697" y="2419392"/>
+            <a:ext cx="2836142" cy="1056817"/>
+          </a:xfrm>
+          <a:prstGeom prst="straightConnector1">
+            <a:avLst/>
+          </a:prstGeom>
+          <a:ln>
+            <a:tailEnd type="triangle"/>
+          </a:ln>
+        </p:spPr>
+        <p:style>
+          <a:lnRef idx="1">
+            <a:schemeClr val="accent1"/>
+          </a:lnRef>
+          <a:fillRef idx="0">
+            <a:schemeClr val="accent1"/>
+          </a:fillRef>
+          <a:effectRef idx="0">
+            <a:schemeClr val="accent1"/>
+          </a:effectRef>
+          <a:fontRef idx="minor">
+            <a:schemeClr val="tx1"/>
+          </a:fontRef>
+        </p:style>
+      </p:cxnSp>
+      <p:sp>
+        <p:nvSpPr>
+          <p:cNvPr id="187" name="TextBox 21">
+            <a:extLst>
+              <a:ext uri="{FF2B5EF4-FFF2-40B4-BE49-F238E27FC236}">
+                <a16:creationId xmlns:a16="http://schemas.microsoft.com/office/drawing/2014/main" id="{E59DA288-C6D6-4BE9-889E-05FE4043F667}"/>
+              </a:ext>
+            </a:extLst>
+          </p:cNvPr>
+          <p:cNvSpPr txBox="1"/>
+          <p:nvPr/>
+        </p:nvSpPr>
+        <p:spPr>
+          <a:xfrm>
+            <a:off x="3890110" y="2686809"/>
+            <a:ext cx="1198175" cy="523220"/>
+          </a:xfrm>
+          <a:prstGeom prst="rect">
+            <a:avLst/>
+          </a:prstGeom>
+          <a:noFill/>
+        </p:spPr>
+        <p:txBody>
+          <a:bodyPr wrap="square" rtlCol="0">
+            <a:spAutoFit/>
+          </a:bodyPr>
+          <a:lstStyle/>
+          <a:p>
+            <a:r>
+              <a:rPr lang="zh-CN" altLang="en-US" sz="1400" dirty="0"/>
+              <a:t>分发消息放入队列中</a:t>
+            </a:r>
+          </a:p>
+        </p:txBody>
+      </p:sp>
+      <p:cxnSp>
+        <p:nvCxnSpPr>
+          <p:cNvPr id="189" name="连接符: 肘形 188">
+            <a:extLst>
+              <a:ext uri="{FF2B5EF4-FFF2-40B4-BE49-F238E27FC236}">
+                <a16:creationId xmlns:a16="http://schemas.microsoft.com/office/drawing/2014/main" id="{DC5BADFA-B8BD-483C-A088-998449935B0A}"/>
+              </a:ext>
+            </a:extLst>
+          </p:cNvPr>
+          <p:cNvCxnSpPr>
+            <a:stCxn id="103" idx="2"/>
+            <a:endCxn id="105" idx="0"/>
+          </p:cNvCxnSpPr>
+          <p:nvPr/>
+        </p:nvCxnSpPr>
+        <p:spPr>
+          <a:xfrm rot="16200000" flipH="1">
+            <a:off x="4056982" y="4569732"/>
+            <a:ext cx="502766" cy="703168"/>
+          </a:xfrm>
+          <a:prstGeom prst="bentConnector3">
+            <a:avLst/>
+          </a:prstGeom>
+          <a:ln>
+            <a:tailEnd type="triangle"/>
+          </a:ln>
+        </p:spPr>
+        <p:style>
+          <a:lnRef idx="1">
+            <a:schemeClr val="accent1"/>
+          </a:lnRef>
+          <a:fillRef idx="0">
+            <a:schemeClr val="accent1"/>
+          </a:fillRef>
+          <a:effectRef idx="0">
+            <a:schemeClr val="accent1"/>
+          </a:effectRef>
+          <a:fontRef idx="minor">
+            <a:schemeClr val="tx1"/>
+          </a:fontRef>
+        </p:style>
+      </p:cxnSp>
+      <p:cxnSp>
+        <p:nvCxnSpPr>
+          <p:cNvPr id="191" name="连接符: 肘形 190">
+            <a:extLst>
+              <a:ext uri="{FF2B5EF4-FFF2-40B4-BE49-F238E27FC236}">
+                <a16:creationId xmlns:a16="http://schemas.microsoft.com/office/drawing/2014/main" id="{911868C7-7925-4724-A668-E58AFF48AE21}"/>
+              </a:ext>
+            </a:extLst>
+          </p:cNvPr>
+          <p:cNvCxnSpPr>
+            <a:stCxn id="110" idx="2"/>
+            <a:endCxn id="112" idx="0"/>
+          </p:cNvCxnSpPr>
+          <p:nvPr/>
+        </p:nvCxnSpPr>
+        <p:spPr>
+          <a:xfrm rot="16200000" flipH="1">
+            <a:off x="6948530" y="4544933"/>
+            <a:ext cx="502766" cy="703168"/>
+          </a:xfrm>
+          <a:prstGeom prst="bentConnector3">
+            <a:avLst/>
+          </a:prstGeom>
+          <a:ln>
+            <a:tailEnd type="triangle"/>
+          </a:ln>
+        </p:spPr>
+        <p:style>
+          <a:lnRef idx="1">
+            <a:schemeClr val="accent1"/>
+          </a:lnRef>
+          <a:fillRef idx="0">
+            <a:schemeClr val="accent1"/>
+          </a:fillRef>
+          <a:effectRef idx="0">
+            <a:schemeClr val="accent1"/>
+          </a:effectRef>
+          <a:fontRef idx="minor">
+            <a:schemeClr val="tx1"/>
+          </a:fontRef>
+        </p:style>
+      </p:cxnSp>
     </p:spTree>
     <p:extLst>
       <p:ext uri="{BB962C8B-B14F-4D97-AF65-F5344CB8AC3E}">
-        <p14:creationId xmlns:p14="http://schemas.microsoft.com/office/powerpoint/2010/main" val="692072770"/>
+        <p14:creationId xmlns:p14="http://schemas.microsoft.com/office/powerpoint/2010/main" val="3374898575"/>
       </p:ext>
     </p:extLst>
   </p:cSld>
@@ -3636,988 +5117,6 @@
       </p:grpSpPr>
       <p:sp>
         <p:nvSpPr>
-          <p:cNvPr id="14" name="矩形 13"/>
-          <p:cNvSpPr/>
-          <p:nvPr/>
-        </p:nvSpPr>
-        <p:spPr>
-          <a:xfrm>
-            <a:off x="2483768" y="1172895"/>
-            <a:ext cx="6408712" cy="5040560"/>
-          </a:xfrm>
-          <a:prstGeom prst="rect">
-            <a:avLst/>
-          </a:prstGeom>
-        </p:spPr>
-        <p:style>
-          <a:lnRef idx="2">
-            <a:schemeClr val="accent1"/>
-          </a:lnRef>
-          <a:fillRef idx="1">
-            <a:schemeClr val="lt1"/>
-          </a:fillRef>
-          <a:effectRef idx="0">
-            <a:schemeClr val="accent1"/>
-          </a:effectRef>
-          <a:fontRef idx="minor">
-            <a:schemeClr val="dk1"/>
-          </a:fontRef>
-        </p:style>
-        <p:txBody>
-          <a:bodyPr rtlCol="0" anchor="ctr"/>
-          <a:lstStyle/>
-          <a:p>
-            <a:pPr algn="ctr"/>
-            <a:endParaRPr lang="zh-CN" altLang="en-US"/>
-          </a:p>
-        </p:txBody>
-      </p:sp>
-      <p:sp>
-        <p:nvSpPr>
-          <p:cNvPr id="2" name="标题 1"/>
-          <p:cNvSpPr>
-            <a:spLocks noGrp="1"/>
-          </p:cNvSpPr>
-          <p:nvPr>
-            <p:ph type="title"/>
-          </p:nvPr>
-        </p:nvSpPr>
-        <p:spPr>
-          <a:xfrm>
-            <a:off x="457200" y="44624"/>
-            <a:ext cx="8229600" cy="648072"/>
-          </a:xfrm>
-        </p:spPr>
-        <p:txBody>
-          <a:bodyPr>
-            <a:normAutofit fontScale="90000"/>
-          </a:bodyPr>
-          <a:lstStyle/>
-          <a:p>
-            <a:r>
-              <a:rPr lang="zh-CN" altLang="en-US" dirty="0" smtClean="0"/>
-              <a:t>实现机制</a:t>
-            </a:r>
-            <a:endParaRPr lang="zh-CN" altLang="en-US" dirty="0"/>
-          </a:p>
-        </p:txBody>
-      </p:sp>
-      <p:sp>
-        <p:nvSpPr>
-          <p:cNvPr id="6" name="椭圆 5"/>
-          <p:cNvSpPr/>
-          <p:nvPr/>
-        </p:nvSpPr>
-        <p:spPr>
-          <a:xfrm>
-            <a:off x="58712" y="3068960"/>
-            <a:ext cx="1488952" cy="1008112"/>
-          </a:xfrm>
-          <a:prstGeom prst="ellipse">
-            <a:avLst/>
-          </a:prstGeom>
-        </p:spPr>
-        <p:style>
-          <a:lnRef idx="1">
-            <a:schemeClr val="accent1"/>
-          </a:lnRef>
-          <a:fillRef idx="2">
-            <a:schemeClr val="accent1"/>
-          </a:fillRef>
-          <a:effectRef idx="1">
-            <a:schemeClr val="accent1"/>
-          </a:effectRef>
-          <a:fontRef idx="minor">
-            <a:schemeClr val="dk1"/>
-          </a:fontRef>
-        </p:style>
-        <p:txBody>
-          <a:bodyPr rtlCol="0" anchor="ctr"/>
-          <a:lstStyle/>
-          <a:p>
-            <a:pPr algn="ctr"/>
-            <a:r>
-              <a:rPr lang="en-US" altLang="zh-CN" dirty="0" smtClean="0"/>
-              <a:t>producer</a:t>
-            </a:r>
-            <a:endParaRPr lang="zh-CN" altLang="en-US" dirty="0"/>
-          </a:p>
-        </p:txBody>
-      </p:sp>
-      <p:sp>
-        <p:nvSpPr>
-          <p:cNvPr id="4" name="圆角矩形 3"/>
-          <p:cNvSpPr/>
-          <p:nvPr/>
-        </p:nvSpPr>
-        <p:spPr>
-          <a:xfrm>
-            <a:off x="2987824" y="3140968"/>
-            <a:ext cx="1872208" cy="792088"/>
-          </a:xfrm>
-          <a:prstGeom prst="roundRect">
-            <a:avLst/>
-          </a:prstGeom>
-        </p:spPr>
-        <p:style>
-          <a:lnRef idx="2">
-            <a:schemeClr val="accent1"/>
-          </a:lnRef>
-          <a:fillRef idx="1">
-            <a:schemeClr val="lt1"/>
-          </a:fillRef>
-          <a:effectRef idx="0">
-            <a:schemeClr val="accent1"/>
-          </a:effectRef>
-          <a:fontRef idx="minor">
-            <a:schemeClr val="dk1"/>
-          </a:fontRef>
-        </p:style>
-        <p:txBody>
-          <a:bodyPr rtlCol="0" anchor="ctr"/>
-          <a:lstStyle/>
-          <a:p>
-            <a:pPr algn="ctr"/>
-            <a:r>
-              <a:rPr lang="en-US" altLang="zh-CN" dirty="0"/>
-              <a:t>M</a:t>
-            </a:r>
-            <a:r>
-              <a:rPr lang="en-US" altLang="zh-CN" dirty="0" smtClean="0"/>
-              <a:t>essageQueue</a:t>
-            </a:r>
-            <a:endParaRPr lang="zh-CN" altLang="en-US" dirty="0"/>
-          </a:p>
-        </p:txBody>
-      </p:sp>
-      <p:sp>
-        <p:nvSpPr>
-          <p:cNvPr id="7" name="圆角矩形 6"/>
-          <p:cNvSpPr/>
-          <p:nvPr/>
-        </p:nvSpPr>
-        <p:spPr>
-          <a:xfrm>
-            <a:off x="6777827" y="1916832"/>
-            <a:ext cx="1440160" cy="576064"/>
-          </a:xfrm>
-          <a:prstGeom prst="roundRect">
-            <a:avLst/>
-          </a:prstGeom>
-        </p:spPr>
-        <p:style>
-          <a:lnRef idx="2">
-            <a:schemeClr val="accent1"/>
-          </a:lnRef>
-          <a:fillRef idx="1">
-            <a:schemeClr val="lt1"/>
-          </a:fillRef>
-          <a:effectRef idx="0">
-            <a:schemeClr val="accent1"/>
-          </a:effectRef>
-          <a:fontRef idx="minor">
-            <a:schemeClr val="dk1"/>
-          </a:fontRef>
-        </p:style>
-        <p:txBody>
-          <a:bodyPr rtlCol="0" anchor="ctr"/>
-          <a:lstStyle/>
-          <a:p>
-            <a:pPr algn="ctr"/>
-            <a:r>
-              <a:rPr lang="en-US" altLang="zh-CN" dirty="0" err="1"/>
-              <a:t>T</a:t>
-            </a:r>
-            <a:r>
-              <a:rPr lang="en-US" altLang="zh-CN" dirty="0" err="1" smtClean="0"/>
-              <a:t>hreadPool</a:t>
-            </a:r>
-            <a:endParaRPr lang="zh-CN" altLang="en-US" dirty="0"/>
-          </a:p>
-        </p:txBody>
-      </p:sp>
-      <p:sp>
-        <p:nvSpPr>
-          <p:cNvPr id="8" name="圆角矩形 7"/>
-          <p:cNvSpPr/>
-          <p:nvPr/>
-        </p:nvSpPr>
-        <p:spPr>
-          <a:xfrm>
-            <a:off x="6813830" y="3235870"/>
-            <a:ext cx="1368153" cy="576064"/>
-          </a:xfrm>
-          <a:prstGeom prst="roundRect">
-            <a:avLst/>
-          </a:prstGeom>
-        </p:spPr>
-        <p:style>
-          <a:lnRef idx="2">
-            <a:schemeClr val="accent1"/>
-          </a:lnRef>
-          <a:fillRef idx="1">
-            <a:schemeClr val="lt1"/>
-          </a:fillRef>
-          <a:effectRef idx="0">
-            <a:schemeClr val="accent1"/>
-          </a:effectRef>
-          <a:fontRef idx="minor">
-            <a:schemeClr val="dk1"/>
-          </a:fontRef>
-        </p:style>
-        <p:txBody>
-          <a:bodyPr rtlCol="0" anchor="ctr"/>
-          <a:lstStyle/>
-          <a:p>
-            <a:pPr algn="ctr"/>
-            <a:r>
-              <a:rPr lang="en-US" altLang="zh-CN" dirty="0" err="1"/>
-              <a:t>Msg</a:t>
-            </a:r>
-            <a:r>
-              <a:rPr lang="en-US" altLang="zh-CN" dirty="0" err="1" smtClean="0"/>
-              <a:t>Broker</a:t>
-            </a:r>
-            <a:endParaRPr lang="zh-CN" altLang="en-US" dirty="0"/>
-          </a:p>
-        </p:txBody>
-      </p:sp>
-      <p:sp>
-        <p:nvSpPr>
-          <p:cNvPr id="10" name="圆角矩形 9"/>
-          <p:cNvSpPr/>
-          <p:nvPr/>
-        </p:nvSpPr>
-        <p:spPr>
-          <a:xfrm>
-            <a:off x="5076056" y="1916832"/>
-            <a:ext cx="1283535" cy="497099"/>
-          </a:xfrm>
-          <a:prstGeom prst="roundRect">
-            <a:avLst/>
-          </a:prstGeom>
-        </p:spPr>
-        <p:style>
-          <a:lnRef idx="2">
-            <a:schemeClr val="accent1"/>
-          </a:lnRef>
-          <a:fillRef idx="1">
-            <a:schemeClr val="lt1"/>
-          </a:fillRef>
-          <a:effectRef idx="0">
-            <a:schemeClr val="accent1"/>
-          </a:effectRef>
-          <a:fontRef idx="minor">
-            <a:schemeClr val="dk1"/>
-          </a:fontRef>
-        </p:style>
-        <p:txBody>
-          <a:bodyPr rtlCol="0" anchor="ctr"/>
-          <a:lstStyle/>
-          <a:p>
-            <a:pPr algn="ctr"/>
-            <a:r>
-              <a:rPr lang="en-US" altLang="zh-CN" dirty="0" err="1" smtClean="0"/>
-              <a:t>Superviser</a:t>
-            </a:r>
-            <a:endParaRPr lang="zh-CN" altLang="en-US" dirty="0"/>
-          </a:p>
-        </p:txBody>
-      </p:sp>
-      <p:sp>
-        <p:nvSpPr>
-          <p:cNvPr id="11" name="圆角矩形 10"/>
-          <p:cNvSpPr/>
-          <p:nvPr/>
-        </p:nvSpPr>
-        <p:spPr>
-          <a:xfrm>
-            <a:off x="3383868" y="1988840"/>
-            <a:ext cx="1080120" cy="288032"/>
-          </a:xfrm>
-          <a:prstGeom prst="roundRect">
-            <a:avLst/>
-          </a:prstGeom>
-        </p:spPr>
-        <p:style>
-          <a:lnRef idx="2">
-            <a:schemeClr val="accent1"/>
-          </a:lnRef>
-          <a:fillRef idx="1">
-            <a:schemeClr val="lt1"/>
-          </a:fillRef>
-          <a:effectRef idx="0">
-            <a:schemeClr val="accent1"/>
-          </a:effectRef>
-          <a:fontRef idx="minor">
-            <a:schemeClr val="dk1"/>
-          </a:fontRef>
-        </p:style>
-        <p:txBody>
-          <a:bodyPr rtlCol="0" anchor="ctr"/>
-          <a:lstStyle/>
-          <a:p>
-            <a:pPr algn="ctr"/>
-            <a:r>
-              <a:rPr lang="en-US" altLang="zh-CN" dirty="0"/>
-              <a:t>M</a:t>
-            </a:r>
-            <a:r>
-              <a:rPr lang="en-US" altLang="zh-CN" dirty="0" smtClean="0"/>
-              <a:t>essage</a:t>
-            </a:r>
-            <a:endParaRPr lang="zh-CN" altLang="en-US" dirty="0"/>
-          </a:p>
-        </p:txBody>
-      </p:sp>
-      <p:grpSp>
-        <p:nvGrpSpPr>
-          <p:cNvPr id="13" name="组合 12"/>
-          <p:cNvGrpSpPr/>
-          <p:nvPr/>
-        </p:nvGrpSpPr>
-        <p:grpSpPr>
-          <a:xfrm>
-            <a:off x="6300192" y="4653136"/>
-            <a:ext cx="2376264" cy="1224136"/>
-            <a:chOff x="5508104" y="5013176"/>
-            <a:chExt cx="2376264" cy="1224136"/>
-          </a:xfrm>
-        </p:grpSpPr>
-        <p:sp>
-          <p:nvSpPr>
-            <p:cNvPr id="12" name="矩形 11"/>
-            <p:cNvSpPr/>
-            <p:nvPr/>
-          </p:nvSpPr>
-          <p:spPr>
-            <a:xfrm>
-              <a:off x="5508104" y="5013176"/>
-              <a:ext cx="2376264" cy="1224136"/>
-            </a:xfrm>
-            <a:prstGeom prst="rect">
-              <a:avLst/>
-            </a:prstGeom>
-          </p:spPr>
-          <p:style>
-            <a:lnRef idx="2">
-              <a:schemeClr val="accent1"/>
-            </a:lnRef>
-            <a:fillRef idx="1">
-              <a:schemeClr val="lt1"/>
-            </a:fillRef>
-            <a:effectRef idx="0">
-              <a:schemeClr val="accent1"/>
-            </a:effectRef>
-            <a:fontRef idx="minor">
-              <a:schemeClr val="dk1"/>
-            </a:fontRef>
-          </p:style>
-          <p:txBody>
-            <a:bodyPr rtlCol="0" anchor="ctr"/>
-            <a:lstStyle/>
-            <a:p>
-              <a:pPr algn="ctr"/>
-              <a:r>
-                <a:rPr lang="en-US" altLang="zh-CN" dirty="0" smtClean="0"/>
-                <a:t>Worker</a:t>
-              </a:r>
-            </a:p>
-            <a:p>
-              <a:pPr algn="ctr"/>
-              <a:endParaRPr lang="en-US" altLang="zh-CN" dirty="0"/>
-            </a:p>
-            <a:p>
-              <a:pPr algn="ctr"/>
-              <a:endParaRPr lang="zh-CN" altLang="en-US" dirty="0"/>
-            </a:p>
-          </p:txBody>
-        </p:sp>
-        <p:sp>
-          <p:nvSpPr>
-            <p:cNvPr id="9" name="圆角矩形 8"/>
-            <p:cNvSpPr/>
-            <p:nvPr/>
-          </p:nvSpPr>
-          <p:spPr>
-            <a:xfrm>
-              <a:off x="5736736" y="5589240"/>
-              <a:ext cx="1918997" cy="504056"/>
-            </a:xfrm>
-            <a:prstGeom prst="roundRect">
-              <a:avLst/>
-            </a:prstGeom>
-          </p:spPr>
-          <p:style>
-            <a:lnRef idx="2">
-              <a:schemeClr val="accent1"/>
-            </a:lnRef>
-            <a:fillRef idx="1">
-              <a:schemeClr val="lt1"/>
-            </a:fillRef>
-            <a:effectRef idx="0">
-              <a:schemeClr val="accent1"/>
-            </a:effectRef>
-            <a:fontRef idx="minor">
-              <a:schemeClr val="dk1"/>
-            </a:fontRef>
-          </p:style>
-          <p:txBody>
-            <a:bodyPr rtlCol="0" anchor="ctr"/>
-            <a:lstStyle/>
-            <a:p>
-              <a:pPr algn="ctr"/>
-              <a:r>
-                <a:rPr lang="en-US" altLang="zh-CN" dirty="0" err="1" smtClean="0"/>
-                <a:t>Message</a:t>
-              </a:r>
-              <a:r>
-                <a:rPr lang="en-US" altLang="zh-CN" dirty="0" err="1"/>
-                <a:t>H</a:t>
-              </a:r>
-              <a:r>
-                <a:rPr lang="en-US" altLang="zh-CN" dirty="0" err="1" smtClean="0"/>
-                <a:t>andler</a:t>
-              </a:r>
-              <a:endParaRPr lang="en-US" altLang="zh-CN" dirty="0"/>
-            </a:p>
-          </p:txBody>
-        </p:sp>
-      </p:grpSp>
-      <p:sp>
-        <p:nvSpPr>
-          <p:cNvPr id="15" name="TextBox 14"/>
-          <p:cNvSpPr txBox="1"/>
-          <p:nvPr/>
-        </p:nvSpPr>
-        <p:spPr>
-          <a:xfrm>
-            <a:off x="2584840" y="1156102"/>
-            <a:ext cx="1368153" cy="369332"/>
-          </a:xfrm>
-          <a:prstGeom prst="rect">
-            <a:avLst/>
-          </a:prstGeom>
-          <a:noFill/>
-        </p:spPr>
-        <p:txBody>
-          <a:bodyPr wrap="square" rtlCol="0">
-            <a:spAutoFit/>
-          </a:bodyPr>
-          <a:lstStyle/>
-          <a:p>
-            <a:r>
-              <a:rPr lang="en-US" altLang="zh-CN" dirty="0" err="1"/>
-              <a:t>DisposeUnit</a:t>
-            </a:r>
-            <a:endParaRPr lang="zh-CN" altLang="en-US" dirty="0"/>
-          </a:p>
-        </p:txBody>
-      </p:sp>
-      <p:cxnSp>
-        <p:nvCxnSpPr>
-          <p:cNvPr id="17" name="直接连接符 16"/>
-          <p:cNvCxnSpPr>
-            <a:stCxn id="11" idx="2"/>
-            <a:endCxn id="4" idx="0"/>
-          </p:cNvCxnSpPr>
-          <p:nvPr/>
-        </p:nvCxnSpPr>
-        <p:spPr>
-          <a:xfrm>
-            <a:off x="3923928" y="2276872"/>
-            <a:ext cx="0" cy="864096"/>
-          </a:xfrm>
-          <a:prstGeom prst="line">
-            <a:avLst/>
-          </a:prstGeom>
-        </p:spPr>
-        <p:style>
-          <a:lnRef idx="1">
-            <a:schemeClr val="accent1"/>
-          </a:lnRef>
-          <a:fillRef idx="0">
-            <a:schemeClr val="accent1"/>
-          </a:fillRef>
-          <a:effectRef idx="0">
-            <a:schemeClr val="accent1"/>
-          </a:effectRef>
-          <a:fontRef idx="minor">
-            <a:schemeClr val="tx1"/>
-          </a:fontRef>
-        </p:style>
-      </p:cxnSp>
-      <p:cxnSp>
-        <p:nvCxnSpPr>
-          <p:cNvPr id="19" name="直接箭头连接符 18"/>
-          <p:cNvCxnSpPr>
-            <a:stCxn id="6" idx="6"/>
-          </p:cNvCxnSpPr>
-          <p:nvPr/>
-        </p:nvCxnSpPr>
-        <p:spPr>
-          <a:xfrm flipV="1">
-            <a:off x="1547664" y="3549159"/>
-            <a:ext cx="936104" cy="23857"/>
-          </a:xfrm>
-          <a:prstGeom prst="straightConnector1">
-            <a:avLst/>
-          </a:prstGeom>
-          <a:ln>
-            <a:tailEnd type="arrow"/>
-          </a:ln>
-        </p:spPr>
-        <p:style>
-          <a:lnRef idx="1">
-            <a:schemeClr val="accent1"/>
-          </a:lnRef>
-          <a:fillRef idx="0">
-            <a:schemeClr val="accent1"/>
-          </a:fillRef>
-          <a:effectRef idx="0">
-            <a:schemeClr val="accent1"/>
-          </a:effectRef>
-          <a:fontRef idx="minor">
-            <a:schemeClr val="tx1"/>
-          </a:fontRef>
-        </p:style>
-      </p:cxnSp>
-      <p:sp>
-        <p:nvSpPr>
-          <p:cNvPr id="22" name="TextBox 21"/>
-          <p:cNvSpPr txBox="1"/>
-          <p:nvPr/>
-        </p:nvSpPr>
-        <p:spPr>
-          <a:xfrm>
-            <a:off x="1540071" y="3193231"/>
-            <a:ext cx="994816" cy="307777"/>
-          </a:xfrm>
-          <a:prstGeom prst="rect">
-            <a:avLst/>
-          </a:prstGeom>
-          <a:noFill/>
-        </p:spPr>
-        <p:txBody>
-          <a:bodyPr wrap="square" rtlCol="0">
-            <a:spAutoFit/>
-          </a:bodyPr>
-          <a:lstStyle/>
-          <a:p>
-            <a:r>
-              <a:rPr lang="zh-CN" altLang="en-US" sz="1400" dirty="0"/>
-              <a:t>放</a:t>
-            </a:r>
-            <a:r>
-              <a:rPr lang="zh-CN" altLang="en-US" sz="1400" dirty="0" smtClean="0"/>
-              <a:t>入消息</a:t>
-            </a:r>
-            <a:endParaRPr lang="zh-CN" altLang="en-US" sz="1400" dirty="0"/>
-          </a:p>
-        </p:txBody>
-      </p:sp>
-      <p:cxnSp>
-        <p:nvCxnSpPr>
-          <p:cNvPr id="41" name="直接箭头连接符 40"/>
-          <p:cNvCxnSpPr>
-            <a:stCxn id="8" idx="1"/>
-            <a:endCxn id="4" idx="3"/>
-          </p:cNvCxnSpPr>
-          <p:nvPr/>
-        </p:nvCxnSpPr>
-        <p:spPr>
-          <a:xfrm flipH="1">
-            <a:off x="4860032" y="3523902"/>
-            <a:ext cx="1953798" cy="13110"/>
-          </a:xfrm>
-          <a:prstGeom prst="straightConnector1">
-            <a:avLst/>
-          </a:prstGeom>
-          <a:ln>
-            <a:tailEnd type="arrow"/>
-          </a:ln>
-        </p:spPr>
-        <p:style>
-          <a:lnRef idx="1">
-            <a:schemeClr val="accent1"/>
-          </a:lnRef>
-          <a:fillRef idx="0">
-            <a:schemeClr val="accent1"/>
-          </a:fillRef>
-          <a:effectRef idx="0">
-            <a:schemeClr val="accent1"/>
-          </a:effectRef>
-          <a:fontRef idx="minor">
-            <a:schemeClr val="tx1"/>
-          </a:fontRef>
-        </p:style>
-      </p:cxnSp>
-      <p:cxnSp>
-        <p:nvCxnSpPr>
-          <p:cNvPr id="44" name="直接箭头连接符 43"/>
-          <p:cNvCxnSpPr>
-            <a:stCxn id="8" idx="2"/>
-            <a:endCxn id="12" idx="0"/>
-          </p:cNvCxnSpPr>
-          <p:nvPr/>
-        </p:nvCxnSpPr>
-        <p:spPr>
-          <a:xfrm flipH="1">
-            <a:off x="7488324" y="3811934"/>
-            <a:ext cx="9583" cy="841202"/>
-          </a:xfrm>
-          <a:prstGeom prst="straightConnector1">
-            <a:avLst/>
-          </a:prstGeom>
-          <a:ln>
-            <a:tailEnd type="arrow"/>
-          </a:ln>
-        </p:spPr>
-        <p:style>
-          <a:lnRef idx="1">
-            <a:schemeClr val="accent1"/>
-          </a:lnRef>
-          <a:fillRef idx="0">
-            <a:schemeClr val="accent1"/>
-          </a:fillRef>
-          <a:effectRef idx="0">
-            <a:schemeClr val="accent1"/>
-          </a:effectRef>
-          <a:fontRef idx="minor">
-            <a:schemeClr val="tx1"/>
-          </a:fontRef>
-        </p:style>
-      </p:cxnSp>
-      <p:cxnSp>
-        <p:nvCxnSpPr>
-          <p:cNvPr id="46" name="直接箭头连接符 45"/>
-          <p:cNvCxnSpPr>
-            <a:stCxn id="8" idx="0"/>
-            <a:endCxn id="7" idx="2"/>
-          </p:cNvCxnSpPr>
-          <p:nvPr/>
-        </p:nvCxnSpPr>
-        <p:spPr>
-          <a:xfrm flipV="1">
-            <a:off x="7497907" y="2492896"/>
-            <a:ext cx="0" cy="742974"/>
-          </a:xfrm>
-          <a:prstGeom prst="straightConnector1">
-            <a:avLst/>
-          </a:prstGeom>
-          <a:ln>
-            <a:tailEnd type="arrow"/>
-          </a:ln>
-        </p:spPr>
-        <p:style>
-          <a:lnRef idx="1">
-            <a:schemeClr val="accent1"/>
-          </a:lnRef>
-          <a:fillRef idx="0">
-            <a:schemeClr val="accent1"/>
-          </a:fillRef>
-          <a:effectRef idx="0">
-            <a:schemeClr val="accent1"/>
-          </a:effectRef>
-          <a:fontRef idx="minor">
-            <a:schemeClr val="tx1"/>
-          </a:fontRef>
-        </p:style>
-      </p:cxnSp>
-      <p:sp>
-        <p:nvSpPr>
-          <p:cNvPr id="55" name="TextBox 54"/>
-          <p:cNvSpPr txBox="1"/>
-          <p:nvPr/>
-        </p:nvSpPr>
-        <p:spPr>
-          <a:xfrm>
-            <a:off x="4139952" y="2636912"/>
-            <a:ext cx="1296144" cy="307777"/>
-          </a:xfrm>
-          <a:prstGeom prst="rect">
-            <a:avLst/>
-          </a:prstGeom>
-          <a:noFill/>
-        </p:spPr>
-        <p:txBody>
-          <a:bodyPr wrap="square" rtlCol="0">
-            <a:spAutoFit/>
-          </a:bodyPr>
-          <a:lstStyle/>
-          <a:p>
-            <a:r>
-              <a:rPr lang="zh-CN" altLang="en-US" sz="1400" dirty="0" smtClean="0"/>
-              <a:t>可否添加消息</a:t>
-            </a:r>
-            <a:endParaRPr lang="zh-CN" altLang="en-US" sz="1400" dirty="0"/>
-          </a:p>
-        </p:txBody>
-      </p:sp>
-      <p:sp>
-        <p:nvSpPr>
-          <p:cNvPr id="56" name="TextBox 55"/>
-          <p:cNvSpPr txBox="1"/>
-          <p:nvPr/>
-        </p:nvSpPr>
-        <p:spPr>
-          <a:xfrm>
-            <a:off x="5364088" y="3193231"/>
-            <a:ext cx="929800" cy="307777"/>
-          </a:xfrm>
-          <a:prstGeom prst="rect">
-            <a:avLst/>
-          </a:prstGeom>
-          <a:noFill/>
-        </p:spPr>
-        <p:txBody>
-          <a:bodyPr wrap="square" rtlCol="0">
-            <a:spAutoFit/>
-          </a:bodyPr>
-          <a:lstStyle/>
-          <a:p>
-            <a:r>
-              <a:rPr lang="zh-CN" altLang="en-US" sz="1400" dirty="0" smtClean="0"/>
-              <a:t>取出消息</a:t>
-            </a:r>
-            <a:endParaRPr lang="zh-CN" altLang="en-US" sz="1400" dirty="0"/>
-          </a:p>
-        </p:txBody>
-      </p:sp>
-      <p:sp>
-        <p:nvSpPr>
-          <p:cNvPr id="57" name="TextBox 56"/>
-          <p:cNvSpPr txBox="1"/>
-          <p:nvPr/>
-        </p:nvSpPr>
-        <p:spPr>
-          <a:xfrm>
-            <a:off x="7497907" y="3977213"/>
-            <a:ext cx="994816" cy="523220"/>
-          </a:xfrm>
-          <a:prstGeom prst="rect">
-            <a:avLst/>
-          </a:prstGeom>
-          <a:noFill/>
-        </p:spPr>
-        <p:txBody>
-          <a:bodyPr wrap="square" rtlCol="0">
-            <a:spAutoFit/>
-          </a:bodyPr>
-          <a:lstStyle/>
-          <a:p>
-            <a:r>
-              <a:rPr lang="zh-CN" altLang="en-US" sz="1400" dirty="0" smtClean="0"/>
-              <a:t>封装可执行任务</a:t>
-            </a:r>
-            <a:endParaRPr lang="zh-CN" altLang="en-US" sz="1400" dirty="0"/>
-          </a:p>
-        </p:txBody>
-      </p:sp>
-      <p:sp>
-        <p:nvSpPr>
-          <p:cNvPr id="58" name="TextBox 57"/>
-          <p:cNvSpPr txBox="1"/>
-          <p:nvPr/>
-        </p:nvSpPr>
-        <p:spPr>
-          <a:xfrm>
-            <a:off x="7524328" y="2636912"/>
-            <a:ext cx="1296144" cy="523220"/>
-          </a:xfrm>
-          <a:prstGeom prst="rect">
-            <a:avLst/>
-          </a:prstGeom>
-          <a:noFill/>
-        </p:spPr>
-        <p:txBody>
-          <a:bodyPr wrap="square" rtlCol="0">
-            <a:spAutoFit/>
-          </a:bodyPr>
-          <a:lstStyle/>
-          <a:p>
-            <a:r>
-              <a:rPr lang="zh-CN" altLang="en-US" sz="1400" dirty="0" smtClean="0"/>
-              <a:t>交给线程池执行任务</a:t>
-            </a:r>
-            <a:endParaRPr lang="zh-CN" altLang="en-US" sz="1400" dirty="0"/>
-          </a:p>
-        </p:txBody>
-      </p:sp>
-      <p:sp>
-        <p:nvSpPr>
-          <p:cNvPr id="3" name="圆角矩形标注 2"/>
-          <p:cNvSpPr/>
-          <p:nvPr/>
-        </p:nvSpPr>
-        <p:spPr>
-          <a:xfrm>
-            <a:off x="3707904" y="5157192"/>
-            <a:ext cx="2016224" cy="504056"/>
-          </a:xfrm>
-          <a:prstGeom prst="wedgeRoundRectCallout">
-            <a:avLst>
-              <a:gd name="adj1" fmla="val 91531"/>
-              <a:gd name="adj2" fmla="val -21435"/>
-              <a:gd name="adj3" fmla="val 16667"/>
-            </a:avLst>
-          </a:prstGeom>
-        </p:spPr>
-        <p:style>
-          <a:lnRef idx="2">
-            <a:schemeClr val="accent1"/>
-          </a:lnRef>
-          <a:fillRef idx="1">
-            <a:schemeClr val="lt1"/>
-          </a:fillRef>
-          <a:effectRef idx="0">
-            <a:schemeClr val="accent1"/>
-          </a:effectRef>
-          <a:fontRef idx="minor">
-            <a:schemeClr val="dk1"/>
-          </a:fontRef>
-        </p:style>
-        <p:txBody>
-          <a:bodyPr rtlCol="0" anchor="ctr"/>
-          <a:lstStyle/>
-          <a:p>
-            <a:pPr algn="ctr"/>
-            <a:r>
-              <a:rPr lang="zh-CN" altLang="en-US" dirty="0" smtClean="0"/>
-              <a:t>消息处理接口</a:t>
-            </a:r>
-            <a:endParaRPr lang="zh-CN" altLang="en-US" dirty="0"/>
-          </a:p>
-        </p:txBody>
-      </p:sp>
-      <p:cxnSp>
-        <p:nvCxnSpPr>
-          <p:cNvPr id="18" name="直接箭头连接符 17"/>
-          <p:cNvCxnSpPr/>
-          <p:nvPr/>
-        </p:nvCxnSpPr>
-        <p:spPr>
-          <a:xfrm flipV="1">
-            <a:off x="4716016" y="2413931"/>
-            <a:ext cx="432048" cy="727037"/>
-          </a:xfrm>
-          <a:prstGeom prst="straightConnector1">
-            <a:avLst/>
-          </a:prstGeom>
-          <a:ln>
-            <a:tailEnd type="arrow"/>
-          </a:ln>
-        </p:spPr>
-        <p:style>
-          <a:lnRef idx="1">
-            <a:schemeClr val="accent1"/>
-          </a:lnRef>
-          <a:fillRef idx="0">
-            <a:schemeClr val="accent1"/>
-          </a:fillRef>
-          <a:effectRef idx="0">
-            <a:schemeClr val="accent1"/>
-          </a:effectRef>
-          <a:fontRef idx="minor">
-            <a:schemeClr val="tx1"/>
-          </a:fontRef>
-        </p:style>
-      </p:cxnSp>
-      <p:cxnSp>
-        <p:nvCxnSpPr>
-          <p:cNvPr id="21" name="直接箭头连接符 20"/>
-          <p:cNvCxnSpPr/>
-          <p:nvPr/>
-        </p:nvCxnSpPr>
-        <p:spPr>
-          <a:xfrm flipH="1" flipV="1">
-            <a:off x="6293890" y="2413934"/>
-            <a:ext cx="582366" cy="821936"/>
-          </a:xfrm>
-          <a:prstGeom prst="straightConnector1">
-            <a:avLst/>
-          </a:prstGeom>
-          <a:ln>
-            <a:tailEnd type="arrow"/>
-          </a:ln>
-        </p:spPr>
-        <p:style>
-          <a:lnRef idx="1">
-            <a:schemeClr val="accent1"/>
-          </a:lnRef>
-          <a:fillRef idx="0">
-            <a:schemeClr val="accent1"/>
-          </a:fillRef>
-          <a:effectRef idx="0">
-            <a:schemeClr val="accent1"/>
-          </a:effectRef>
-          <a:fontRef idx="minor">
-            <a:schemeClr val="tx1"/>
-          </a:fontRef>
-        </p:style>
-      </p:cxnSp>
-      <p:sp>
-        <p:nvSpPr>
-          <p:cNvPr id="31" name="TextBox 30"/>
-          <p:cNvSpPr txBox="1"/>
-          <p:nvPr/>
-        </p:nvSpPr>
-        <p:spPr>
-          <a:xfrm>
-            <a:off x="5724128" y="2689175"/>
-            <a:ext cx="1656184" cy="307777"/>
-          </a:xfrm>
-          <a:prstGeom prst="rect">
-            <a:avLst/>
-          </a:prstGeom>
-          <a:noFill/>
-        </p:spPr>
-        <p:txBody>
-          <a:bodyPr wrap="square" rtlCol="0">
-            <a:spAutoFit/>
-          </a:bodyPr>
-          <a:lstStyle/>
-          <a:p>
-            <a:r>
-              <a:rPr lang="zh-CN" altLang="en-US" sz="1400" dirty="0" smtClean="0"/>
-              <a:t>可否执行处理消息</a:t>
-            </a:r>
-            <a:endParaRPr lang="zh-CN" altLang="en-US" sz="1400" dirty="0"/>
-          </a:p>
-        </p:txBody>
-      </p:sp>
-    </p:spTree>
-    <p:extLst>
-      <p:ext uri="{BB962C8B-B14F-4D97-AF65-F5344CB8AC3E}">
-        <p14:creationId xmlns:p14="http://schemas.microsoft.com/office/powerpoint/2010/main" val="3374898575"/>
-      </p:ext>
-    </p:extLst>
-  </p:cSld>
-  <p:clrMapOvr>
-    <a:masterClrMapping/>
-  </p:clrMapOvr>
-</p:sld>
-</file>
-
-<file path=ppt/slides/slide3.xml><?xml version="1.0" encoding="utf-8"?>
-<p:sld xmlns:a="http://schemas.openxmlformats.org/drawingml/2006/main" xmlns:r="http://schemas.openxmlformats.org/officeDocument/2006/relationships" xmlns:p="http://schemas.openxmlformats.org/presentationml/2006/main">
-  <p:cSld>
-    <p:spTree>
-      <p:nvGrpSpPr>
-        <p:cNvPr id="1" name=""/>
-        <p:cNvGrpSpPr/>
-        <p:nvPr/>
-      </p:nvGrpSpPr>
-      <p:grpSpPr>
-        <a:xfrm>
-          <a:off x="0" y="0"/>
-          <a:ext cx="0" cy="0"/>
-          <a:chOff x="0" y="0"/>
-          <a:chExt cx="0" cy="0"/>
-        </a:xfrm>
-      </p:grpSpPr>
-      <p:sp>
-        <p:nvSpPr>
           <p:cNvPr id="2" name="标题 1"/>
           <p:cNvSpPr>
             <a:spLocks noGrp="1"/>
@@ -4668,63 +5167,58 @@
           <a:lstStyle/>
           <a:p>
             <a:r>
-              <a:rPr lang="zh-CN" altLang="en-US" sz="2800" dirty="0" smtClean="0"/>
+              <a:rPr lang="zh-CN" altLang="en-US" sz="2800" dirty="0"/>
               <a:t>已经放入消息不能丢失</a:t>
             </a:r>
-            <a:endParaRPr lang="en-US" altLang="zh-CN" sz="2800" dirty="0" smtClean="0"/>
-          </a:p>
-          <a:p>
-            <a:r>
-              <a:rPr lang="zh-CN" altLang="en-US" sz="2800" dirty="0" smtClean="0"/>
+            <a:endParaRPr lang="en-US" altLang="zh-CN" sz="2800" dirty="0"/>
+          </a:p>
+          <a:p>
+            <a:r>
+              <a:rPr lang="zh-CN" altLang="en-US" sz="2800" dirty="0"/>
               <a:t>消息执行失败可再次执行，再次执行间隔可配置</a:t>
             </a:r>
-            <a:endParaRPr lang="en-US" altLang="zh-CN" sz="2800" dirty="0" smtClean="0"/>
-          </a:p>
-          <a:p>
-            <a:r>
-              <a:rPr lang="zh-CN" altLang="en-US" sz="2800" dirty="0" smtClean="0"/>
+            <a:endParaRPr lang="en-US" altLang="zh-CN" sz="2800" dirty="0"/>
+          </a:p>
+          <a:p>
+            <a:r>
+              <a:rPr lang="zh-CN" altLang="en-US" sz="2800" dirty="0"/>
               <a:t>执行失败消息要保留</a:t>
             </a:r>
-            <a:endParaRPr lang="en-US" altLang="zh-CN" sz="2800" dirty="0" smtClean="0"/>
-          </a:p>
-          <a:p>
-            <a:r>
-              <a:rPr lang="zh-CN" altLang="en-US" sz="2800" dirty="0" smtClean="0"/>
-              <a:t>线程池可配置</a:t>
-            </a:r>
-            <a:endParaRPr lang="en-US" altLang="zh-CN" sz="2800" dirty="0" smtClean="0"/>
-          </a:p>
-          <a:p>
-            <a:r>
-              <a:rPr lang="zh-CN" altLang="en-US" sz="2800" dirty="0" smtClean="0"/>
+            <a:endParaRPr lang="en-US" altLang="zh-CN" sz="2800" dirty="0"/>
+          </a:p>
+          <a:p>
+            <a:r>
+              <a:rPr lang="zh-CN" altLang="en-US" sz="2800" dirty="0"/>
+              <a:t>处理线程可配置</a:t>
+            </a:r>
+            <a:endParaRPr lang="en-US" altLang="zh-CN" sz="2800" dirty="0"/>
+          </a:p>
+          <a:p>
+            <a:r>
+              <a:rPr lang="zh-CN" altLang="en-US" sz="2800" dirty="0"/>
               <a:t>缓冲消息队列可配置队列深度</a:t>
             </a:r>
-            <a:endParaRPr lang="en-US" altLang="zh-CN" sz="2800" dirty="0" smtClean="0"/>
-          </a:p>
-          <a:p>
-            <a:r>
-              <a:rPr lang="zh-CN" altLang="en-US" sz="2800" dirty="0" smtClean="0"/>
+            <a:endParaRPr lang="en-US" altLang="zh-CN" sz="2800" dirty="0"/>
+          </a:p>
+          <a:p>
+            <a:r>
+              <a:rPr lang="zh-CN" altLang="en-US" sz="2800" dirty="0"/>
               <a:t>执行情况有监控</a:t>
             </a:r>
-            <a:endParaRPr lang="en-US" altLang="zh-CN" sz="2800" dirty="0" smtClean="0"/>
-          </a:p>
-          <a:p>
-            <a:r>
-              <a:rPr lang="zh-CN" altLang="en-US" sz="2800" dirty="0" smtClean="0"/>
+            <a:endParaRPr lang="en-US" altLang="zh-CN" sz="2800" dirty="0"/>
+          </a:p>
+          <a:p>
+            <a:r>
+              <a:rPr lang="zh-CN" altLang="en-US" sz="2800" dirty="0"/>
               <a:t>优雅停止</a:t>
             </a:r>
-            <a:endParaRPr lang="en-US" altLang="zh-CN" sz="2800" dirty="0" smtClean="0"/>
+            <a:endParaRPr lang="en-US" altLang="zh-CN" sz="2800" dirty="0"/>
           </a:p>
           <a:p>
             <a:r>
               <a:rPr lang="zh-CN" altLang="en-US" sz="2800" dirty="0"/>
-              <a:t>重</a:t>
-            </a:r>
-            <a:r>
-              <a:rPr lang="zh-CN" altLang="en-US" sz="2800" dirty="0" smtClean="0"/>
-              <a:t>启继续执行没有处理消息</a:t>
-            </a:r>
-            <a:endParaRPr lang="zh-CN" altLang="en-US" sz="2800" dirty="0"/>
+              <a:t>重启继续执行没有处理消息</a:t>
+            </a:r>
           </a:p>
         </p:txBody>
       </p:sp>
@@ -4732,128 +5226,6 @@
     <p:extLst>
       <p:ext uri="{BB962C8B-B14F-4D97-AF65-F5344CB8AC3E}">
         <p14:creationId xmlns:p14="http://schemas.microsoft.com/office/powerpoint/2010/main" val="3994792684"/>
-      </p:ext>
-    </p:extLst>
-  </p:cSld>
-  <p:clrMapOvr>
-    <a:masterClrMapping/>
-  </p:clrMapOvr>
-</p:sld>
-</file>
-
-<file path=ppt/slides/slide4.xml><?xml version="1.0" encoding="utf-8"?>
-<p:sld xmlns:a="http://schemas.openxmlformats.org/drawingml/2006/main" xmlns:r="http://schemas.openxmlformats.org/officeDocument/2006/relationships" xmlns:p="http://schemas.openxmlformats.org/presentationml/2006/main">
-  <p:cSld>
-    <p:spTree>
-      <p:nvGrpSpPr>
-        <p:cNvPr id="1" name=""/>
-        <p:cNvGrpSpPr/>
-        <p:nvPr/>
-      </p:nvGrpSpPr>
-      <p:grpSpPr>
-        <a:xfrm>
-          <a:off x="0" y="0"/>
-          <a:ext cx="0" cy="0"/>
-          <a:chOff x="0" y="0"/>
-          <a:chExt cx="0" cy="0"/>
-        </a:xfrm>
-      </p:grpSpPr>
-      <p:sp>
-        <p:nvSpPr>
-          <p:cNvPr id="2" name="标题 1"/>
-          <p:cNvSpPr>
-            <a:spLocks noGrp="1"/>
-          </p:cNvSpPr>
-          <p:nvPr>
-            <p:ph type="title"/>
-          </p:nvPr>
-        </p:nvSpPr>
-        <p:spPr>
-          <a:xfrm>
-            <a:off x="457200" y="188640"/>
-            <a:ext cx="8229600" cy="706090"/>
-          </a:xfrm>
-        </p:spPr>
-        <p:txBody>
-          <a:bodyPr>
-            <a:normAutofit fontScale="90000"/>
-          </a:bodyPr>
-          <a:lstStyle/>
-          <a:p>
-            <a:r>
-              <a:rPr lang="zh-CN" altLang="en-US" dirty="0" smtClean="0"/>
-              <a:t>组件成果检测</a:t>
-            </a:r>
-            <a:r>
-              <a:rPr lang="en-US" altLang="zh-CN" dirty="0" smtClean="0"/>
-              <a:t>-</a:t>
-            </a:r>
-            <a:r>
-              <a:rPr lang="zh-CN" altLang="en-US" dirty="0" smtClean="0"/>
-              <a:t>消费</a:t>
-            </a:r>
-            <a:r>
-              <a:rPr lang="en-US" altLang="zh-CN" dirty="0" err="1" smtClean="0"/>
-              <a:t>kafka</a:t>
-            </a:r>
-            <a:r>
-              <a:rPr lang="zh-CN" altLang="en-US" dirty="0"/>
-              <a:t>消息</a:t>
-            </a:r>
-          </a:p>
-        </p:txBody>
-      </p:sp>
-      <p:sp>
-        <p:nvSpPr>
-          <p:cNvPr id="3" name="内容占位符 2"/>
-          <p:cNvSpPr>
-            <a:spLocks noGrp="1"/>
-          </p:cNvSpPr>
-          <p:nvPr>
-            <p:ph idx="1"/>
-          </p:nvPr>
-        </p:nvSpPr>
-        <p:spPr>
-          <a:xfrm>
-            <a:off x="457200" y="1196752"/>
-            <a:ext cx="8229600" cy="5256584"/>
-          </a:xfrm>
-        </p:spPr>
-        <p:txBody>
-          <a:bodyPr/>
-          <a:lstStyle/>
-          <a:p>
-            <a:r>
-              <a:rPr lang="zh-CN" altLang="en-US" dirty="0" smtClean="0"/>
-              <a:t>实现从</a:t>
-            </a:r>
-            <a:r>
-              <a:rPr lang="en-US" altLang="zh-CN" dirty="0" smtClean="0"/>
-              <a:t>Kafka</a:t>
-            </a:r>
-            <a:r>
-              <a:rPr lang="zh-CN" altLang="en-US" dirty="0" smtClean="0"/>
-              <a:t>获取消息</a:t>
-            </a:r>
-            <a:endParaRPr lang="en-US" altLang="zh-CN" dirty="0" smtClean="0"/>
-          </a:p>
-          <a:p>
-            <a:r>
-              <a:rPr lang="zh-CN" altLang="en-US" dirty="0"/>
-              <a:t>实现</a:t>
-            </a:r>
-            <a:r>
-              <a:rPr lang="zh-CN" altLang="en-US" dirty="0" smtClean="0"/>
-              <a:t>处理消息</a:t>
-            </a:r>
-            <a:endParaRPr lang="zh-CN" altLang="en-US" dirty="0"/>
-          </a:p>
-        </p:txBody>
-      </p:sp>
-    </p:spTree>
-    <p:extLst>
-      <p:ext uri="{BB962C8B-B14F-4D97-AF65-F5344CB8AC3E}">
-        <p14:creationId xmlns:p14="http://schemas.microsoft.com/office/powerpoint/2010/main" val="168659753"/>
       </p:ext>
     </p:extLst>
   </p:cSld>

--- a/异步消息处理组件.pptx
+++ b/异步消息处理组件.pptx
@@ -209,7 +209,7 @@
           <a:p>
             <a:fld id="{143B58D9-161F-4CBD-AB44-351B2BBA17A4}" type="datetimeFigureOut">
               <a:rPr lang="zh-CN" altLang="en-US" smtClean="0"/>
-              <a:t>2022/1/23</a:t>
+              <a:t>2022/2/7</a:t>
             </a:fld>
             <a:endParaRPr lang="zh-CN" altLang="en-US"/>
           </a:p>
@@ -823,7 +823,7 @@
           <a:p>
             <a:fld id="{530820CF-B880-4189-942D-D702A7CBA730}" type="datetimeFigureOut">
               <a:rPr lang="zh-CN" altLang="en-US" smtClean="0"/>
-              <a:t>2022/1/23</a:t>
+              <a:t>2022/2/7</a:t>
             </a:fld>
             <a:endParaRPr lang="zh-CN" altLang="en-US"/>
           </a:p>
@@ -986,7 +986,7 @@
           <a:p>
             <a:fld id="{530820CF-B880-4189-942D-D702A7CBA730}" type="datetimeFigureOut">
               <a:rPr lang="zh-CN" altLang="en-US" smtClean="0"/>
-              <a:t>2022/1/23</a:t>
+              <a:t>2022/2/7</a:t>
             </a:fld>
             <a:endParaRPr lang="zh-CN" altLang="en-US"/>
           </a:p>
@@ -1159,7 +1159,7 @@
           <a:p>
             <a:fld id="{530820CF-B880-4189-942D-D702A7CBA730}" type="datetimeFigureOut">
               <a:rPr lang="zh-CN" altLang="en-US" smtClean="0"/>
-              <a:t>2022/1/23</a:t>
+              <a:t>2022/2/7</a:t>
             </a:fld>
             <a:endParaRPr lang="zh-CN" altLang="en-US"/>
           </a:p>
@@ -1322,7 +1322,7 @@
           <a:p>
             <a:fld id="{530820CF-B880-4189-942D-D702A7CBA730}" type="datetimeFigureOut">
               <a:rPr lang="zh-CN" altLang="en-US" smtClean="0"/>
-              <a:t>2022/1/23</a:t>
+              <a:t>2022/2/7</a:t>
             </a:fld>
             <a:endParaRPr lang="zh-CN" altLang="en-US"/>
           </a:p>
@@ -1562,7 +1562,7 @@
           <a:p>
             <a:fld id="{530820CF-B880-4189-942D-D702A7CBA730}" type="datetimeFigureOut">
               <a:rPr lang="zh-CN" altLang="en-US" smtClean="0"/>
-              <a:t>2022/1/23</a:t>
+              <a:t>2022/2/7</a:t>
             </a:fld>
             <a:endParaRPr lang="zh-CN" altLang="en-US"/>
           </a:p>
@@ -1842,7 +1842,7 @@
           <a:p>
             <a:fld id="{530820CF-B880-4189-942D-D702A7CBA730}" type="datetimeFigureOut">
               <a:rPr lang="zh-CN" altLang="en-US" smtClean="0"/>
-              <a:t>2022/1/23</a:t>
+              <a:t>2022/2/7</a:t>
             </a:fld>
             <a:endParaRPr lang="zh-CN" altLang="en-US"/>
           </a:p>
@@ -2256,7 +2256,7 @@
           <a:p>
             <a:fld id="{530820CF-B880-4189-942D-D702A7CBA730}" type="datetimeFigureOut">
               <a:rPr lang="zh-CN" altLang="en-US" smtClean="0"/>
-              <a:t>2022/1/23</a:t>
+              <a:t>2022/2/7</a:t>
             </a:fld>
             <a:endParaRPr lang="zh-CN" altLang="en-US"/>
           </a:p>
@@ -2368,7 +2368,7 @@
           <a:p>
             <a:fld id="{530820CF-B880-4189-942D-D702A7CBA730}" type="datetimeFigureOut">
               <a:rPr lang="zh-CN" altLang="en-US" smtClean="0"/>
-              <a:t>2022/1/23</a:t>
+              <a:t>2022/2/7</a:t>
             </a:fld>
             <a:endParaRPr lang="zh-CN" altLang="en-US"/>
           </a:p>
@@ -2458,7 +2458,7 @@
           <a:p>
             <a:fld id="{530820CF-B880-4189-942D-D702A7CBA730}" type="datetimeFigureOut">
               <a:rPr lang="zh-CN" altLang="en-US" smtClean="0"/>
-              <a:t>2022/1/23</a:t>
+              <a:t>2022/2/7</a:t>
             </a:fld>
             <a:endParaRPr lang="zh-CN" altLang="en-US"/>
           </a:p>
@@ -2728,7 +2728,7 @@
           <a:p>
             <a:fld id="{530820CF-B880-4189-942D-D702A7CBA730}" type="datetimeFigureOut">
               <a:rPr lang="zh-CN" altLang="en-US" smtClean="0"/>
-              <a:t>2022/1/23</a:t>
+              <a:t>2022/2/7</a:t>
             </a:fld>
             <a:endParaRPr lang="zh-CN" altLang="en-US"/>
           </a:p>
@@ -2975,7 +2975,7 @@
           <a:p>
             <a:fld id="{530820CF-B880-4189-942D-D702A7CBA730}" type="datetimeFigureOut">
               <a:rPr lang="zh-CN" altLang="en-US" smtClean="0"/>
-              <a:t>2022/1/23</a:t>
+              <a:t>2022/2/7</a:t>
             </a:fld>
             <a:endParaRPr lang="zh-CN" altLang="en-US"/>
           </a:p>
@@ -3181,7 +3181,7 @@
           <a:p>
             <a:fld id="{530820CF-B880-4189-942D-D702A7CBA730}" type="datetimeFigureOut">
               <a:rPr lang="zh-CN" altLang="en-US" smtClean="0"/>
-              <a:t>2022/1/23</a:t>
+              <a:t>2022/2/7</a:t>
             </a:fld>
             <a:endParaRPr lang="zh-CN" altLang="en-US"/>
           </a:p>
@@ -4855,8 +4855,8 @@
         </p:nvCxnSpPr>
         <p:spPr>
           <a:xfrm flipH="1">
-            <a:off x="1141139" y="2419392"/>
-            <a:ext cx="3424558" cy="1152128"/>
+            <a:off x="1497183" y="2419392"/>
+            <a:ext cx="3068514" cy="1056817"/>
           </a:xfrm>
           <a:prstGeom prst="straightConnector1">
             <a:avLst/>
